--- a/upgrad-async-constructs.pptx
+++ b/upgrad-async-constructs.pptx
@@ -6,20 +6,25 @@
   </p:sldMasterIdLst>
   <p:sldIdLst>
     <p:sldId id="256" r:id="rId2"/>
-    <p:sldId id="487" r:id="rId3"/>
-    <p:sldId id="518" r:id="rId4"/>
-    <p:sldId id="473" r:id="rId5"/>
-    <p:sldId id="474" r:id="rId6"/>
-    <p:sldId id="520" r:id="rId7"/>
-    <p:sldId id="521" r:id="rId8"/>
-    <p:sldId id="524" r:id="rId9"/>
-    <p:sldId id="519" r:id="rId10"/>
-    <p:sldId id="523" r:id="rId11"/>
-    <p:sldId id="522" r:id="rId12"/>
-    <p:sldId id="271" r:id="rId13"/>
-    <p:sldId id="528" r:id="rId14"/>
-    <p:sldId id="525" r:id="rId15"/>
-    <p:sldId id="526" r:id="rId16"/>
+    <p:sldId id="518" r:id="rId3"/>
+    <p:sldId id="473" r:id="rId4"/>
+    <p:sldId id="474" r:id="rId5"/>
+    <p:sldId id="520" r:id="rId6"/>
+    <p:sldId id="521" r:id="rId7"/>
+    <p:sldId id="524" r:id="rId8"/>
+    <p:sldId id="519" r:id="rId9"/>
+    <p:sldId id="523" r:id="rId10"/>
+    <p:sldId id="522" r:id="rId11"/>
+    <p:sldId id="529" r:id="rId12"/>
+    <p:sldId id="530" r:id="rId13"/>
+    <p:sldId id="531" r:id="rId14"/>
+    <p:sldId id="532" r:id="rId15"/>
+    <p:sldId id="533" r:id="rId16"/>
+    <p:sldId id="271" r:id="rId17"/>
+    <p:sldId id="528" r:id="rId18"/>
+    <p:sldId id="525" r:id="rId19"/>
+    <p:sldId id="526" r:id="rId20"/>
+    <p:sldId id="487" r:id="rId21"/>
   </p:sldIdLst>
   <p:sldSz cx="12192000" cy="6858000"/>
   <p:notesSz cx="6858000" cy="9144000"/>
@@ -3995,7 +4000,7 @@
           <p:cNvPr id="2" name="Title 1">
             <a:extLst>
               <a:ext uri="{FF2B5EF4-FFF2-40B4-BE49-F238E27FC236}">
-                <a16:creationId xmlns:a16="http://schemas.microsoft.com/office/drawing/2014/main" id="{EADF10F1-4AED-264A-8754-72370C88016B}"/>
+                <a16:creationId xmlns:a16="http://schemas.microsoft.com/office/drawing/2014/main" id="{13E49813-F869-3749-B26F-63DFAD4CA27D}"/>
               </a:ext>
             </a:extLst>
           </p:cNvPr>
@@ -4013,7 +4018,7 @@
           <a:p>
             <a:r>
               <a:rPr lang="en-US" dirty="0"/>
-              <a:t>Example</a:t>
+              <a:t>Using a method that returns a Promise</a:t>
             </a:r>
           </a:p>
         </p:txBody>
@@ -4023,7 +4028,7 @@
           <p:cNvPr id="3" name="Content Placeholder 2">
             <a:extLst>
               <a:ext uri="{FF2B5EF4-FFF2-40B4-BE49-F238E27FC236}">
-                <a16:creationId xmlns:a16="http://schemas.microsoft.com/office/drawing/2014/main" id="{289C2266-D02C-1647-BECD-EBA8AA6F97B6}"/>
+                <a16:creationId xmlns:a16="http://schemas.microsoft.com/office/drawing/2014/main" id="{35B5FF52-3C17-6C41-AADA-6C382A3E72A5}"/>
               </a:ext>
             </a:extLst>
           </p:cNvPr>
@@ -4034,62 +4039,52 @@
             <p:ph idx="1"/>
           </p:nvPr>
         </p:nvSpPr>
-        <p:spPr/>
+        <p:spPr>
+          <a:xfrm>
+            <a:off x="1371600" y="1870364"/>
+            <a:ext cx="9601200" cy="4682836"/>
+          </a:xfrm>
+        </p:spPr>
         <p:txBody>
           <a:bodyPr>
-            <a:normAutofit/>
+            <a:normAutofit fontScale="70000" lnSpcReduction="20000"/>
           </a:bodyPr>
           <a:lstStyle/>
           <a:p>
+            <a:r>
+              <a:rPr lang="en-IN" dirty="0"/>
+              <a:t>The Promise API works like the try…catch construct, but for asynchronous code</a:t>
+            </a:r>
+          </a:p>
+          <a:p>
+            <a:r>
+              <a:rPr lang="en-IN" dirty="0"/>
+              <a:t>The resolve function passed to then are called when the promise is resolved</a:t>
+            </a:r>
+          </a:p>
+          <a:p>
+            <a:r>
+              <a:rPr lang="en-IN" dirty="0"/>
+              <a:t>The return value of a resolve handler is passed to the next resolve handler in sequence</a:t>
+            </a:r>
+          </a:p>
+          <a:p>
+            <a:r>
+              <a:rPr lang="en-IN" dirty="0"/>
+              <a:t>In case the promise rejects, or one of the resolve handlers throws an error, the nearest reject handler (set using catch()) is called</a:t>
+            </a:r>
+          </a:p>
+          <a:p>
+            <a:r>
+              <a:rPr lang="en-IN" dirty="0"/>
+              <a:t>then() and catch() are non-blocking functions</a:t>
+            </a:r>
+          </a:p>
+          <a:p>
             <a:pPr marL="0" indent="0">
               <a:buNone/>
             </a:pPr>
-            <a:r>
-              <a:rPr lang="en-IN" sz="1600" dirty="0">
-                <a:solidFill>
-                  <a:srgbClr val="0000FF"/>
-                </a:solidFill>
-                <a:latin typeface="Menlo" panose="020B0609030804020204" pitchFamily="49" charset="0"/>
-              </a:rPr>
-              <a:t>function</a:t>
-            </a:r>
-            <a:r>
-              <a:rPr lang="en-IN" sz="1600" dirty="0">
-                <a:solidFill>
-                  <a:srgbClr val="000000"/>
-                </a:solidFill>
-                <a:latin typeface="Menlo" panose="020B0609030804020204" pitchFamily="49" charset="0"/>
-              </a:rPr>
-              <a:t> promisifiedAPI( a </a:t>
-            </a:r>
-            <a:r>
-              <a:rPr lang="en-IN" sz="1600" dirty="0">
-                <a:solidFill>
-                  <a:srgbClr val="008000"/>
-                </a:solidFill>
-                <a:latin typeface="Menlo" panose="020B0609030804020204" pitchFamily="49" charset="0"/>
-              </a:rPr>
-              <a:t>/*, b, ... */</a:t>
-            </a:r>
-            <a:r>
-              <a:rPr lang="en-IN" sz="1600" dirty="0">
-                <a:solidFill>
-                  <a:srgbClr val="000000"/>
-                </a:solidFill>
-                <a:latin typeface="Menlo" panose="020B0609030804020204" pitchFamily="49" charset="0"/>
-              </a:rPr>
-              <a:t> ) { </a:t>
-            </a:r>
-            <a:r>
-              <a:rPr lang="en-IN" sz="1600" dirty="0">
-                <a:solidFill>
-                  <a:srgbClr val="008000"/>
-                </a:solidFill>
-                <a:latin typeface="Menlo" panose="020B0609030804020204" pitchFamily="49" charset="0"/>
-              </a:rPr>
-              <a:t>// no callbacks in arguments</a:t>
-            </a:r>
-            <a:endParaRPr lang="en-IN" sz="1600" dirty="0">
+            <a:endParaRPr lang="en-IN" dirty="0">
               <a:solidFill>
                 <a:srgbClr val="000000"/>
               </a:solidFill>
@@ -4101,58 +4096,58 @@
               <a:buNone/>
             </a:pPr>
             <a:r>
-              <a:rPr lang="en-IN" sz="1600" dirty="0">
-                <a:solidFill>
-                  <a:srgbClr val="0000FF"/>
-                </a:solidFill>
-                <a:latin typeface="Menlo" panose="020B0609030804020204" pitchFamily="49" charset="0"/>
-              </a:rPr>
-              <a:t>	return</a:t>
-            </a:r>
-            <a:r>
-              <a:rPr lang="en-IN" sz="1600" dirty="0">
-                <a:solidFill>
-                  <a:srgbClr val="000000"/>
-                </a:solidFill>
-                <a:latin typeface="Menlo" panose="020B0609030804020204" pitchFamily="49" charset="0"/>
-              </a:rPr>
-              <a:t> </a:t>
-            </a:r>
-            <a:r>
-              <a:rPr lang="en-IN" sz="1600" dirty="0">
-                <a:solidFill>
-                  <a:srgbClr val="0000FF"/>
-                </a:solidFill>
-                <a:latin typeface="Menlo" panose="020B0609030804020204" pitchFamily="49" charset="0"/>
-              </a:rPr>
-              <a:t>new</a:t>
-            </a:r>
-            <a:r>
-              <a:rPr lang="en-IN" sz="1600" dirty="0">
-                <a:solidFill>
-                  <a:srgbClr val="000000"/>
-                </a:solidFill>
-                <a:latin typeface="Menlo" panose="020B0609030804020204" pitchFamily="49" charset="0"/>
-              </a:rPr>
-              <a:t> Promise(( resolve, reject ) </a:t>
-            </a:r>
-            <a:r>
-              <a:rPr lang="en-IN" sz="1600" dirty="0">
-                <a:solidFill>
-                  <a:srgbClr val="0000FF"/>
-                </a:solidFill>
-                <a:latin typeface="Menlo" panose="020B0609030804020204" pitchFamily="49" charset="0"/>
-              </a:rPr>
-              <a:t>=&gt;</a:t>
-            </a:r>
-            <a:r>
-              <a:rPr lang="en-IN" sz="1600" dirty="0">
-                <a:solidFill>
-                  <a:srgbClr val="000000"/>
-                </a:solidFill>
-                <a:latin typeface="Menlo" panose="020B0609030804020204" pitchFamily="49" charset="0"/>
-              </a:rPr>
-              <a:t> {</a:t>
+              <a:rPr lang="en-IN" dirty="0" err="1">
+                <a:solidFill>
+                  <a:srgbClr val="000000"/>
+                </a:solidFill>
+                <a:latin typeface="Menlo" panose="020B0609030804020204" pitchFamily="49" charset="0"/>
+              </a:rPr>
+              <a:t>sumAsync</a:t>
+            </a:r>
+            <a:r>
+              <a:rPr lang="en-IN" dirty="0">
+                <a:solidFill>
+                  <a:srgbClr val="000000"/>
+                </a:solidFill>
+                <a:latin typeface="Menlo" panose="020B0609030804020204" pitchFamily="49" charset="0"/>
+              </a:rPr>
+              <a:t>( </a:t>
+            </a:r>
+            <a:r>
+              <a:rPr lang="en-IN" dirty="0">
+                <a:solidFill>
+                  <a:srgbClr val="09885A"/>
+                </a:solidFill>
+                <a:latin typeface="Menlo" panose="020B0609030804020204" pitchFamily="49" charset="0"/>
+              </a:rPr>
+              <a:t>1</a:t>
+            </a:r>
+            <a:r>
+              <a:rPr lang="en-IN" dirty="0">
+                <a:solidFill>
+                  <a:srgbClr val="000000"/>
+                </a:solidFill>
+                <a:latin typeface="Menlo" panose="020B0609030804020204" pitchFamily="49" charset="0"/>
+              </a:rPr>
+              <a:t>, </a:t>
+            </a:r>
+            <a:r>
+              <a:rPr lang="en-IN" dirty="0">
+                <a:solidFill>
+                  <a:srgbClr val="09885A"/>
+                </a:solidFill>
+                <a:latin typeface="Menlo" panose="020B0609030804020204" pitchFamily="49" charset="0"/>
+              </a:rPr>
+              <a:t>2</a:t>
+            </a:r>
+            <a:r>
+              <a:rPr lang="en-IN" dirty="0">
+                <a:solidFill>
+                  <a:srgbClr val="000000"/>
+                </a:solidFill>
+                <a:latin typeface="Menlo" panose="020B0609030804020204" pitchFamily="49" charset="0"/>
+              </a:rPr>
+              <a:t> )</a:t>
             </a:r>
           </a:p>
           <a:p>
@@ -4160,40 +4155,31 @@
               <a:buNone/>
             </a:pPr>
             <a:r>
-              <a:rPr lang="en-IN" sz="1600" dirty="0">
-                <a:solidFill>
-                  <a:srgbClr val="0000FF"/>
-                </a:solidFill>
-                <a:latin typeface="Menlo" panose="020B0609030804020204" pitchFamily="49" charset="0"/>
-              </a:rPr>
-              <a:t>		if</a:t>
-            </a:r>
-            <a:r>
-              <a:rPr lang="en-IN" sz="1600" dirty="0">
-                <a:solidFill>
-                  <a:srgbClr val="000000"/>
-                </a:solidFill>
-                <a:latin typeface="Menlo" panose="020B0609030804020204" pitchFamily="49" charset="0"/>
-              </a:rPr>
-              <a:t>( </a:t>
-            </a:r>
-            <a:r>
-              <a:rPr lang="en-IN" sz="1600" dirty="0">
-                <a:solidFill>
-                  <a:srgbClr val="008000"/>
-                </a:solidFill>
-                <a:latin typeface="Menlo" panose="020B0609030804020204" pitchFamily="49" charset="0"/>
-              </a:rPr>
-              <a:t>/* condition for errors */</a:t>
-            </a:r>
-            <a:r>
-              <a:rPr lang="en-IN" sz="1600" dirty="0">
-                <a:solidFill>
-                  <a:srgbClr val="000000"/>
-                </a:solidFill>
-                <a:latin typeface="Menlo" panose="020B0609030804020204" pitchFamily="49" charset="0"/>
-              </a:rPr>
-              <a:t> ) {</a:t>
+              <a:rPr lang="en-IN" dirty="0">
+                <a:solidFill>
+                  <a:srgbClr val="000000"/>
+                </a:solidFill>
+                <a:latin typeface="Menlo" panose="020B0609030804020204" pitchFamily="49" charset="0"/>
+              </a:rPr>
+              <a:t>	.then( </a:t>
+            </a:r>
+            <a:r>
+              <a:rPr lang="en-IN" dirty="0" err="1">
+                <a:solidFill>
+                  <a:srgbClr val="000000"/>
+                </a:solidFill>
+                <a:latin typeface="Menlo" panose="020B0609030804020204" pitchFamily="49" charset="0"/>
+              </a:rPr>
+              <a:t>resolvedValue</a:t>
+            </a:r>
+            <a:r>
+              <a:rPr lang="en-IN" dirty="0">
+                <a:solidFill>
+                  <a:srgbClr val="000000"/>
+                </a:solidFill>
+                <a:latin typeface="Menlo" panose="020B0609030804020204" pitchFamily="49" charset="0"/>
+              </a:rPr>
+              <a:t> =&gt; { … ; return X; } )</a:t>
             </a:r>
           </a:p>
           <a:p>
@@ -4201,58 +4187,13 @@
               <a:buNone/>
             </a:pPr>
             <a:r>
-              <a:rPr lang="en-IN" sz="1600" dirty="0">
-                <a:solidFill>
-                  <a:srgbClr val="0000FF"/>
-                </a:solidFill>
-                <a:latin typeface="Menlo" panose="020B0609030804020204" pitchFamily="49" charset="0"/>
-              </a:rPr>
-              <a:t>			return</a:t>
-            </a:r>
-            <a:r>
-              <a:rPr lang="en-IN" sz="1600" dirty="0">
-                <a:solidFill>
-                  <a:srgbClr val="000000"/>
-                </a:solidFill>
-                <a:latin typeface="Menlo" panose="020B0609030804020204" pitchFamily="49" charset="0"/>
-              </a:rPr>
-              <a:t> reject( </a:t>
-            </a:r>
-            <a:r>
-              <a:rPr lang="en-IN" sz="1600" dirty="0">
-                <a:solidFill>
-                  <a:srgbClr val="0000FF"/>
-                </a:solidFill>
-                <a:latin typeface="Menlo" panose="020B0609030804020204" pitchFamily="49" charset="0"/>
-              </a:rPr>
-              <a:t>new</a:t>
-            </a:r>
-            <a:r>
-              <a:rPr lang="en-IN" sz="1600" dirty="0">
-                <a:solidFill>
-                  <a:srgbClr val="000000"/>
-                </a:solidFill>
-                <a:latin typeface="Menlo" panose="020B0609030804020204" pitchFamily="49" charset="0"/>
-              </a:rPr>
-              <a:t> Error( </a:t>
-            </a:r>
-            <a:r>
-              <a:rPr lang="en-IN" sz="1600" dirty="0">
-                <a:solidFill>
-                  <a:srgbClr val="A31515"/>
-                </a:solidFill>
-                <a:latin typeface="Menlo" panose="020B0609030804020204" pitchFamily="49" charset="0"/>
-              </a:rPr>
-              <a:t>'reason for error'</a:t>
-            </a:r>
-            <a:r>
-              <a:rPr lang="en-IN" sz="1600" dirty="0">
-                <a:solidFill>
-                  <a:srgbClr val="000000"/>
-                </a:solidFill>
-                <a:latin typeface="Menlo" panose="020B0609030804020204" pitchFamily="49" charset="0"/>
-              </a:rPr>
-              <a:t> ) );</a:t>
+              <a:rPr lang="en-IN" dirty="0">
+                <a:solidFill>
+                  <a:srgbClr val="000000"/>
+                </a:solidFill>
+                <a:latin typeface="Menlo" panose="020B0609030804020204" pitchFamily="49" charset="0"/>
+              </a:rPr>
+              <a:t>	.then( X =&gt; { … } )</a:t>
             </a:r>
           </a:p>
           <a:p>
@@ -4260,53 +4201,27 @@
               <a:buNone/>
             </a:pPr>
             <a:r>
-              <a:rPr lang="en-IN" sz="1600" dirty="0">
-                <a:solidFill>
-                  <a:srgbClr val="000000"/>
-                </a:solidFill>
-                <a:latin typeface="Menlo" panose="020B0609030804020204" pitchFamily="49" charset="0"/>
-              </a:rPr>
-              <a:t>		}</a:t>
+              <a:rPr lang="en-IN" dirty="0">
+                <a:solidFill>
+                  <a:srgbClr val="000000"/>
+                </a:solidFill>
+                <a:latin typeface="Menlo" panose="020B0609030804020204" pitchFamily="49" charset="0"/>
+              </a:rPr>
+              <a:t>	…</a:t>
             </a:r>
           </a:p>
           <a:p>
             <a:pPr marL="0" indent="0">
               <a:buNone/>
             </a:pPr>
-            <a:br>
-              <a:rPr lang="en-IN" sz="1600" dirty="0">
-                <a:solidFill>
-                  <a:srgbClr val="000000"/>
-                </a:solidFill>
-                <a:latin typeface="Menlo" panose="020B0609030804020204" pitchFamily="49" charset="0"/>
-              </a:rPr>
-            </a:br>
-            <a:r>
-              <a:rPr lang="en-IN" sz="1600" dirty="0">
-                <a:solidFill>
-                  <a:srgbClr val="000000"/>
-                </a:solidFill>
-                <a:latin typeface="Menlo" panose="020B0609030804020204" pitchFamily="49" charset="0"/>
-              </a:rPr>
-              <a:t>		doSomethingAsync( result </a:t>
-            </a:r>
-            <a:r>
-              <a:rPr lang="en-IN" sz="1600" dirty="0">
-                <a:solidFill>
-                  <a:srgbClr val="0000FF"/>
-                </a:solidFill>
-                <a:latin typeface="Menlo" panose="020B0609030804020204" pitchFamily="49" charset="0"/>
-              </a:rPr>
-              <a:t>=&gt;</a:t>
-            </a:r>
-            <a:r>
-              <a:rPr lang="en-IN" sz="1600" dirty="0">
-                <a:solidFill>
-                  <a:srgbClr val="000000"/>
-                </a:solidFill>
-                <a:latin typeface="Menlo" panose="020B0609030804020204" pitchFamily="49" charset="0"/>
-              </a:rPr>
-              <a:t> resolve( result ) );</a:t>
+            <a:r>
+              <a:rPr lang="en-IN" dirty="0">
+                <a:solidFill>
+                  <a:srgbClr val="000000"/>
+                </a:solidFill>
+                <a:latin typeface="Menlo" panose="020B0609030804020204" pitchFamily="49" charset="0"/>
+              </a:rPr>
+              <a:t>	.catch( error =&gt; { … } );</a:t>
             </a:r>
           </a:p>
           <a:p>
@@ -4314,41 +4229,58 @@
               <a:buNone/>
             </a:pPr>
             <a:r>
-              <a:rPr lang="en-IN" sz="1600" dirty="0">
-                <a:solidFill>
-                  <a:srgbClr val="000000"/>
-                </a:solidFill>
-                <a:latin typeface="Menlo" panose="020B0609030804020204" pitchFamily="49" charset="0"/>
-              </a:rPr>
-              <a:t>	});</a:t>
+              <a:rPr lang="en-IN" dirty="0">
+                <a:solidFill>
+                  <a:srgbClr val="000000"/>
+                </a:solidFill>
+                <a:latin typeface="Menlo" panose="020B0609030804020204" pitchFamily="49" charset="0"/>
+              </a:rPr>
+              <a:t>	.then( </a:t>
+            </a:r>
+            <a:r>
+              <a:rPr lang="en-IN" dirty="0" err="1">
+                <a:solidFill>
+                  <a:srgbClr val="000000"/>
+                </a:solidFill>
+                <a:latin typeface="Menlo" panose="020B0609030804020204" pitchFamily="49" charset="0"/>
+              </a:rPr>
+              <a:t>previousValue</a:t>
+            </a:r>
+            <a:r>
+              <a:rPr lang="en-IN" dirty="0">
+                <a:solidFill>
+                  <a:srgbClr val="000000"/>
+                </a:solidFill>
+                <a:latin typeface="Menlo" panose="020B0609030804020204" pitchFamily="49" charset="0"/>
+              </a:rPr>
+              <a:t> =&gt; { … } )</a:t>
             </a:r>
           </a:p>
           <a:p>
             <a:pPr marL="0" indent="0">
               <a:buNone/>
             </a:pPr>
-            <a:r>
-              <a:rPr lang="en-IN" sz="1600" dirty="0">
-                <a:solidFill>
-                  <a:srgbClr val="000000"/>
-                </a:solidFill>
-                <a:latin typeface="Menlo" panose="020B0609030804020204" pitchFamily="49" charset="0"/>
-              </a:rPr>
-              <a:t>}</a:t>
-            </a:r>
+            <a:endParaRPr lang="en-IN" sz="2100" b="1" dirty="0"/>
           </a:p>
           <a:p>
             <a:pPr marL="0" indent="0">
               <a:buNone/>
             </a:pPr>
-            <a:endParaRPr lang="en-US" sz="1600" dirty="0"/>
+            <a:r>
+              <a:rPr lang="en-IN" sz="2100" b="1" dirty="0"/>
+              <a:t>Note</a:t>
+            </a:r>
+            <a:r>
+              <a:rPr lang="en-IN" sz="2100" dirty="0"/>
+              <a:t>: The then() method can be passed a reject handler as 2nd argument, but using it is not a good practice</a:t>
+            </a:r>
           </a:p>
         </p:txBody>
       </p:sp>
     </p:spTree>
     <p:extLst>
       <p:ext uri="{BB962C8B-B14F-4D97-AF65-F5344CB8AC3E}">
-        <p14:creationId xmlns:p14="http://schemas.microsoft.com/office/powerpoint/2010/main" val="4059848714"/>
+        <p14:creationId xmlns:p14="http://schemas.microsoft.com/office/powerpoint/2010/main" val="2755033223"/>
       </p:ext>
     </p:extLst>
   </p:cSld>
@@ -4380,7 +4312,7 @@
           <p:cNvPr id="2" name="Title 1">
             <a:extLst>
               <a:ext uri="{FF2B5EF4-FFF2-40B4-BE49-F238E27FC236}">
-                <a16:creationId xmlns:a16="http://schemas.microsoft.com/office/drawing/2014/main" id="{13E49813-F869-3749-B26F-63DFAD4CA27D}"/>
+                <a16:creationId xmlns:a16="http://schemas.microsoft.com/office/drawing/2014/main" id="{A8DB91FF-3597-C845-9275-AFA6F3E98C78}"/>
               </a:ext>
             </a:extLst>
           </p:cNvPr>
@@ -4391,268 +4323,36 @@
             <p:ph type="title"/>
           </p:nvPr>
         </p:nvSpPr>
-        <p:spPr/>
+        <p:spPr>
+          <a:xfrm>
+            <a:off x="1371600" y="685799"/>
+            <a:ext cx="9601200" cy="5482525"/>
+          </a:xfrm>
+        </p:spPr>
         <p:txBody>
           <a:bodyPr/>
           <a:lstStyle/>
           <a:p>
-            <a:r>
-              <a:rPr lang="en-US" dirty="0"/>
-              <a:t>Using a method that returns a Promise</a:t>
-            </a:r>
-          </a:p>
-        </p:txBody>
-      </p:sp>
-      <p:sp>
-        <p:nvSpPr>
-          <p:cNvPr id="3" name="Content Placeholder 2">
-            <a:extLst>
-              <a:ext uri="{FF2B5EF4-FFF2-40B4-BE49-F238E27FC236}">
-                <a16:creationId xmlns:a16="http://schemas.microsoft.com/office/drawing/2014/main" id="{35B5FF52-3C17-6C41-AADA-6C382A3E72A5}"/>
-              </a:ext>
-            </a:extLst>
-          </p:cNvPr>
-          <p:cNvSpPr>
-            <a:spLocks noGrp="1"/>
-          </p:cNvSpPr>
-          <p:nvPr>
-            <p:ph idx="1"/>
-          </p:nvPr>
-        </p:nvSpPr>
-        <p:spPr>
-          <a:xfrm>
-            <a:off x="1371600" y="1870364"/>
-            <a:ext cx="9601200" cy="4682836"/>
-          </a:xfrm>
-        </p:spPr>
-        <p:txBody>
-          <a:bodyPr>
-            <a:normAutofit fontScale="70000" lnSpcReduction="20000"/>
-          </a:bodyPr>
-          <a:lstStyle/>
-          <a:p>
-            <a:r>
-              <a:rPr lang="en-IN" dirty="0"/>
-              <a:t>The Promise API works like the try…catch construct, but for asynchronous code</a:t>
-            </a:r>
-          </a:p>
-          <a:p>
-            <a:r>
-              <a:rPr lang="en-IN" dirty="0"/>
-              <a:t>The resolve function passed to then are called when the promise is resolved</a:t>
-            </a:r>
-          </a:p>
-          <a:p>
-            <a:r>
-              <a:rPr lang="en-IN" dirty="0"/>
-              <a:t>The return value of a resolve handler is passed to the next resolve handler in sequence</a:t>
-            </a:r>
-          </a:p>
-          <a:p>
-            <a:r>
-              <a:rPr lang="en-IN" dirty="0"/>
-              <a:t>In case the promise rejects, or one of the resolve handlers throws an error, the nearest reject handler (set using catch()) is called</a:t>
-            </a:r>
-          </a:p>
-          <a:p>
-            <a:r>
-              <a:rPr lang="en-IN" dirty="0"/>
-              <a:t>then() and catch() are non-blocking functions</a:t>
-            </a:r>
-          </a:p>
-          <a:p>
-            <a:pPr marL="0" indent="0">
-              <a:buNone/>
-            </a:pPr>
-            <a:endParaRPr lang="en-IN" dirty="0">
-              <a:solidFill>
-                <a:srgbClr val="000000"/>
-              </a:solidFill>
-              <a:latin typeface="Menlo" panose="020B0609030804020204" pitchFamily="49" charset="0"/>
-            </a:endParaRPr>
-          </a:p>
-          <a:p>
-            <a:pPr marL="0" indent="0">
-              <a:buNone/>
-            </a:pPr>
-            <a:r>
-              <a:rPr lang="en-IN" dirty="0" err="1">
-                <a:solidFill>
-                  <a:srgbClr val="000000"/>
-                </a:solidFill>
-                <a:latin typeface="Menlo" panose="020B0609030804020204" pitchFamily="49" charset="0"/>
-              </a:rPr>
-              <a:t>sumAsync</a:t>
-            </a:r>
-            <a:r>
-              <a:rPr lang="en-IN" dirty="0">
-                <a:solidFill>
-                  <a:srgbClr val="000000"/>
-                </a:solidFill>
-                <a:latin typeface="Menlo" panose="020B0609030804020204" pitchFamily="49" charset="0"/>
-              </a:rPr>
-              <a:t>( </a:t>
-            </a:r>
-            <a:r>
-              <a:rPr lang="en-IN" dirty="0">
-                <a:solidFill>
-                  <a:srgbClr val="09885A"/>
-                </a:solidFill>
-                <a:latin typeface="Menlo" panose="020B0609030804020204" pitchFamily="49" charset="0"/>
-              </a:rPr>
-              <a:t>1</a:t>
-            </a:r>
-            <a:r>
-              <a:rPr lang="en-IN" dirty="0">
-                <a:solidFill>
-                  <a:srgbClr val="000000"/>
-                </a:solidFill>
-                <a:latin typeface="Menlo" panose="020B0609030804020204" pitchFamily="49" charset="0"/>
-              </a:rPr>
-              <a:t>, </a:t>
-            </a:r>
-            <a:r>
-              <a:rPr lang="en-IN" dirty="0">
-                <a:solidFill>
-                  <a:srgbClr val="09885A"/>
-                </a:solidFill>
-                <a:latin typeface="Menlo" panose="020B0609030804020204" pitchFamily="49" charset="0"/>
-              </a:rPr>
-              <a:t>2</a:t>
-            </a:r>
-            <a:r>
-              <a:rPr lang="en-IN" dirty="0">
-                <a:solidFill>
-                  <a:srgbClr val="000000"/>
-                </a:solidFill>
-                <a:latin typeface="Menlo" panose="020B0609030804020204" pitchFamily="49" charset="0"/>
-              </a:rPr>
-              <a:t> )</a:t>
-            </a:r>
-          </a:p>
-          <a:p>
-            <a:pPr marL="0" indent="0">
-              <a:buNone/>
-            </a:pPr>
-            <a:r>
-              <a:rPr lang="en-IN" dirty="0">
-                <a:solidFill>
-                  <a:srgbClr val="000000"/>
-                </a:solidFill>
-                <a:latin typeface="Menlo" panose="020B0609030804020204" pitchFamily="49" charset="0"/>
-              </a:rPr>
-              <a:t>	.then( </a:t>
-            </a:r>
-            <a:r>
-              <a:rPr lang="en-IN" dirty="0" err="1">
-                <a:solidFill>
-                  <a:srgbClr val="000000"/>
-                </a:solidFill>
-                <a:latin typeface="Menlo" panose="020B0609030804020204" pitchFamily="49" charset="0"/>
-              </a:rPr>
-              <a:t>resolvedValue</a:t>
-            </a:r>
-            <a:r>
-              <a:rPr lang="en-IN" dirty="0">
-                <a:solidFill>
-                  <a:srgbClr val="000000"/>
-                </a:solidFill>
-                <a:latin typeface="Menlo" panose="020B0609030804020204" pitchFamily="49" charset="0"/>
-              </a:rPr>
-              <a:t> =&gt; { … ; return X; } )</a:t>
-            </a:r>
-          </a:p>
-          <a:p>
-            <a:pPr marL="0" indent="0">
-              <a:buNone/>
-            </a:pPr>
-            <a:r>
-              <a:rPr lang="en-IN" dirty="0">
-                <a:solidFill>
-                  <a:srgbClr val="000000"/>
-                </a:solidFill>
-                <a:latin typeface="Menlo" panose="020B0609030804020204" pitchFamily="49" charset="0"/>
-              </a:rPr>
-              <a:t>	.then( X =&gt; { … } )</a:t>
-            </a:r>
-          </a:p>
-          <a:p>
-            <a:pPr marL="0" indent="0">
-              <a:buNone/>
-            </a:pPr>
-            <a:r>
-              <a:rPr lang="en-IN" dirty="0">
-                <a:solidFill>
-                  <a:srgbClr val="000000"/>
-                </a:solidFill>
-                <a:latin typeface="Menlo" panose="020B0609030804020204" pitchFamily="49" charset="0"/>
-              </a:rPr>
-              <a:t>	…</a:t>
-            </a:r>
-          </a:p>
-          <a:p>
-            <a:pPr marL="0" indent="0">
-              <a:buNone/>
-            </a:pPr>
-            <a:r>
-              <a:rPr lang="en-IN" dirty="0">
-                <a:solidFill>
-                  <a:srgbClr val="000000"/>
-                </a:solidFill>
-                <a:latin typeface="Menlo" panose="020B0609030804020204" pitchFamily="49" charset="0"/>
-              </a:rPr>
-              <a:t>	.catch( error =&gt; { … } );</a:t>
-            </a:r>
-          </a:p>
-          <a:p>
-            <a:pPr marL="0" indent="0">
-              <a:buNone/>
-            </a:pPr>
-            <a:r>
-              <a:rPr lang="en-IN" dirty="0">
-                <a:solidFill>
-                  <a:srgbClr val="000000"/>
-                </a:solidFill>
-                <a:latin typeface="Menlo" panose="020B0609030804020204" pitchFamily="49" charset="0"/>
-              </a:rPr>
-              <a:t>	.then( </a:t>
-            </a:r>
-            <a:r>
-              <a:rPr lang="en-IN" dirty="0" err="1">
-                <a:solidFill>
-                  <a:srgbClr val="000000"/>
-                </a:solidFill>
-                <a:latin typeface="Menlo" panose="020B0609030804020204" pitchFamily="49" charset="0"/>
-              </a:rPr>
-              <a:t>previousValue</a:t>
-            </a:r>
-            <a:r>
-              <a:rPr lang="en-IN" dirty="0">
-                <a:solidFill>
-                  <a:srgbClr val="000000"/>
-                </a:solidFill>
-                <a:latin typeface="Menlo" panose="020B0609030804020204" pitchFamily="49" charset="0"/>
-              </a:rPr>
-              <a:t> =&gt; { … } )</a:t>
-            </a:r>
-          </a:p>
-          <a:p>
-            <a:pPr marL="0" indent="0">
-              <a:buNone/>
-            </a:pPr>
-            <a:endParaRPr lang="en-IN" sz="2100" b="1" dirty="0"/>
-          </a:p>
-          <a:p>
-            <a:pPr marL="0" indent="0">
-              <a:buNone/>
-            </a:pPr>
-            <a:r>
-              <a:rPr lang="en-IN" sz="2100" b="1" dirty="0"/>
-              <a:t>Note</a:t>
-            </a:r>
-            <a:r>
-              <a:rPr lang="en-IN" sz="2100" dirty="0"/>
-              <a:t>: The then() method can be passed a reject handler as 2nd argument, but using it is not a good practice</a:t>
+            <a:pPr algn="ctr"/>
+            <a:br>
+              <a:rPr lang="en-US" dirty="0"/>
+            </a:br>
+            <a:br>
+              <a:rPr lang="en-US" dirty="0"/>
+            </a:br>
+            <a:br>
+              <a:rPr lang="en-US" dirty="0"/>
+            </a:br>
+            <a:br>
+              <a:rPr lang="en-US" dirty="0"/>
+            </a:br>
+            <a:r>
+              <a:rPr lang="en-US" dirty="0" err="1"/>
+              <a:t>async</a:t>
+            </a:r>
+            <a:r>
+              <a:rPr lang="en-US" dirty="0"/>
+              <a:t>…await</a:t>
             </a:r>
           </a:p>
         </p:txBody>
@@ -4660,7 +4360,7 @@
     </p:spTree>
     <p:extLst>
       <p:ext uri="{BB962C8B-B14F-4D97-AF65-F5344CB8AC3E}">
-        <p14:creationId xmlns:p14="http://schemas.microsoft.com/office/powerpoint/2010/main" val="2755033223"/>
+        <p14:creationId xmlns:p14="http://schemas.microsoft.com/office/powerpoint/2010/main" val="1445822982"/>
       </p:ext>
     </p:extLst>
   </p:cSld>
@@ -4692,7 +4392,7 @@
           <p:cNvPr id="2" name="Title 1">
             <a:extLst>
               <a:ext uri="{FF2B5EF4-FFF2-40B4-BE49-F238E27FC236}">
-                <a16:creationId xmlns:a16="http://schemas.microsoft.com/office/drawing/2014/main" id="{0B9CBADB-7DBE-224A-ADED-0A38BA475AD9}"/>
+                <a16:creationId xmlns:a16="http://schemas.microsoft.com/office/drawing/2014/main" id="{F12CAB53-1EBD-2A44-8823-80B1BD1BE8FB}"/>
               </a:ext>
             </a:extLst>
           </p:cNvPr>
@@ -4700,32 +4400,31 @@
             <a:spLocks noGrp="1"/>
           </p:cNvSpPr>
           <p:nvPr>
-            <p:ph type="ctrTitle"/>
-          </p:nvPr>
-        </p:nvSpPr>
-        <p:spPr>
-          <a:xfrm>
-            <a:off x="1915121" y="1454885"/>
-            <a:ext cx="8361229" cy="2098226"/>
-          </a:xfrm>
-        </p:spPr>
+            <p:ph type="title"/>
+          </p:nvPr>
+        </p:nvSpPr>
+        <p:spPr/>
         <p:txBody>
           <a:bodyPr/>
           <a:lstStyle/>
           <a:p>
             <a:r>
-              <a:rPr lang="en-US" dirty="0"/>
-              <a:t>Thank You!</a:t>
-            </a:r>
-          </a:p>
-        </p:txBody>
-      </p:sp>
-      <p:sp>
-        <p:nvSpPr>
-          <p:cNvPr id="3" name="Subtitle 2">
+              <a:rPr lang="en-US" dirty="0" err="1"/>
+              <a:t>Async</a:t>
+            </a:r>
+            <a:r>
+              <a:rPr lang="en-US" dirty="0"/>
+              <a:t>..await</a:t>
+            </a:r>
+          </a:p>
+        </p:txBody>
+      </p:sp>
+      <p:sp>
+        <p:nvSpPr>
+          <p:cNvPr id="3" name="Content Placeholder 2">
             <a:extLst>
               <a:ext uri="{FF2B5EF4-FFF2-40B4-BE49-F238E27FC236}">
-                <a16:creationId xmlns:a16="http://schemas.microsoft.com/office/drawing/2014/main" id="{59CCEF0F-140C-374B-9668-DB6E1C2A8769}"/>
+                <a16:creationId xmlns:a16="http://schemas.microsoft.com/office/drawing/2014/main" id="{CA03782A-6D25-FB40-9604-AA3519A4CD87}"/>
               </a:ext>
             </a:extLst>
           </p:cNvPr>
@@ -4733,30 +4432,846 @@
             <a:spLocks noGrp="1"/>
           </p:cNvSpPr>
           <p:nvPr>
-            <p:ph type="subTitle" idx="1"/>
-          </p:nvPr>
+            <p:ph idx="1"/>
+          </p:nvPr>
+        </p:nvSpPr>
+        <p:spPr/>
+        <p:txBody>
+          <a:bodyPr>
+            <a:normAutofit/>
+          </a:bodyPr>
+          <a:lstStyle/>
+          <a:p>
+            <a:r>
+              <a:rPr lang="en-US" dirty="0"/>
+              <a:t>A construct that simplifies use of promises for performing serial </a:t>
+            </a:r>
+            <a:r>
+              <a:rPr lang="en-US" dirty="0" err="1"/>
+              <a:t>async</a:t>
+            </a:r>
+            <a:r>
+              <a:rPr lang="en-US" dirty="0"/>
+              <a:t> operations</a:t>
+            </a:r>
+          </a:p>
+          <a:p>
+            <a:r>
+              <a:rPr lang="en-US" dirty="0"/>
+              <a:t>A function marked </a:t>
+            </a:r>
+            <a:r>
+              <a:rPr lang="en-US" dirty="0" err="1">
+                <a:solidFill>
+                  <a:srgbClr val="0000FF"/>
+                </a:solidFill>
+                <a:latin typeface="Menlo" panose="020B0609030804020204" pitchFamily="49" charset="0"/>
+              </a:rPr>
+              <a:t>async</a:t>
+            </a:r>
+            <a:r>
+              <a:rPr lang="en-US" dirty="0"/>
+              <a:t> always returns a promise. If it specifies a non-promise a return value, the value is wrapped in a promise that resolves (with the value)</a:t>
+            </a:r>
+          </a:p>
+          <a:p>
+            <a:r>
+              <a:rPr lang="en-US" dirty="0"/>
+              <a:t>If it throws an error, the Promise rejects with the error as reason</a:t>
+            </a:r>
+          </a:p>
+        </p:txBody>
+      </p:sp>
+      <p:sp>
+        <p:nvSpPr>
+          <p:cNvPr id="4" name="Content Placeholder 2">
+            <a:extLst>
+              <a:ext uri="{FF2B5EF4-FFF2-40B4-BE49-F238E27FC236}">
+                <a16:creationId xmlns:a16="http://schemas.microsoft.com/office/drawing/2014/main" id="{5ABAAF8B-EE4B-2240-9AAD-89B9EE4428B4}"/>
+              </a:ext>
+            </a:extLst>
+          </p:cNvPr>
+          <p:cNvSpPr txBox="1">
+            <a:spLocks/>
+          </p:cNvSpPr>
+          <p:nvPr/>
         </p:nvSpPr>
         <p:spPr>
           <a:xfrm>
-            <a:off x="2679898" y="3654711"/>
-            <a:ext cx="6831673" cy="1086237"/>
+            <a:off x="1136070" y="4246417"/>
+            <a:ext cx="4572000" cy="2154382"/>
           </a:xfrm>
+          <a:prstGeom prst="rect">
+            <a:avLst/>
+          </a:prstGeom>
         </p:spPr>
         <p:txBody>
-          <a:bodyPr/>
-          <a:lstStyle/>
-          <a:p>
-            <a:r>
-              <a:rPr lang="en-US" dirty="0"/>
-              <a:t>Questions are welcome</a:t>
-            </a:r>
+          <a:bodyPr vert="horz" lIns="91440" tIns="45720" rIns="91440" bIns="45720" rtlCol="0">
+            <a:normAutofit/>
+          </a:bodyPr>
+          <a:lstStyle>
+            <a:lvl1pPr marL="384048" indent="-384048" algn="l" defTabSz="914400" rtl="0" eaLnBrk="1" latinLnBrk="0" hangingPunct="1">
+              <a:lnSpc>
+                <a:spcPct val="94000"/>
+              </a:lnSpc>
+              <a:spcBef>
+                <a:spcPts val="1000"/>
+              </a:spcBef>
+              <a:spcAft>
+                <a:spcPts val="200"/>
+              </a:spcAft>
+              <a:buFont typeface="Franklin Gothic Book" panose="020B0503020102020204" pitchFamily="34" charset="0"/>
+              <a:buChar char="■"/>
+              <a:defRPr sz="2000" kern="1200" baseline="0">
+                <a:solidFill>
+                  <a:schemeClr val="tx2"/>
+                </a:solidFill>
+                <a:latin typeface="+mn-lt"/>
+                <a:ea typeface="+mn-ea"/>
+                <a:cs typeface="+mn-cs"/>
+              </a:defRPr>
+            </a:lvl1pPr>
+            <a:lvl2pPr marL="914400" indent="-384048" algn="l" defTabSz="914400" rtl="0" eaLnBrk="1" latinLnBrk="0" hangingPunct="1">
+              <a:lnSpc>
+                <a:spcPct val="94000"/>
+              </a:lnSpc>
+              <a:spcBef>
+                <a:spcPts val="500"/>
+              </a:spcBef>
+              <a:spcAft>
+                <a:spcPts val="200"/>
+              </a:spcAft>
+              <a:buFont typeface="Franklin Gothic Book" panose="020B0503020102020204" pitchFamily="34" charset="0"/>
+              <a:buChar char="–"/>
+              <a:defRPr sz="2000" i="1" kern="1200" baseline="0">
+                <a:solidFill>
+                  <a:schemeClr val="tx2"/>
+                </a:solidFill>
+                <a:latin typeface="+mn-lt"/>
+                <a:ea typeface="+mn-ea"/>
+                <a:cs typeface="+mn-cs"/>
+              </a:defRPr>
+            </a:lvl2pPr>
+            <a:lvl3pPr marL="1371600" indent="-384048" algn="l" defTabSz="914400" rtl="0" eaLnBrk="1" latinLnBrk="0" hangingPunct="1">
+              <a:lnSpc>
+                <a:spcPct val="94000"/>
+              </a:lnSpc>
+              <a:spcBef>
+                <a:spcPts val="500"/>
+              </a:spcBef>
+              <a:spcAft>
+                <a:spcPts val="200"/>
+              </a:spcAft>
+              <a:buFont typeface="Franklin Gothic Book" panose="020B0503020102020204" pitchFamily="34" charset="0"/>
+              <a:buChar char="■"/>
+              <a:defRPr sz="1800" kern="1200" baseline="0">
+                <a:solidFill>
+                  <a:schemeClr val="tx2"/>
+                </a:solidFill>
+                <a:latin typeface="+mn-lt"/>
+                <a:ea typeface="+mn-ea"/>
+                <a:cs typeface="+mn-cs"/>
+              </a:defRPr>
+            </a:lvl3pPr>
+            <a:lvl4pPr marL="1828800" indent="-384048" algn="l" defTabSz="914400" rtl="0" eaLnBrk="1" latinLnBrk="0" hangingPunct="1">
+              <a:lnSpc>
+                <a:spcPct val="94000"/>
+              </a:lnSpc>
+              <a:spcBef>
+                <a:spcPts val="500"/>
+              </a:spcBef>
+              <a:spcAft>
+                <a:spcPts val="200"/>
+              </a:spcAft>
+              <a:buFont typeface="Franklin Gothic Book" panose="020B0503020102020204" pitchFamily="34" charset="0"/>
+              <a:buChar char="–"/>
+              <a:defRPr sz="1800" i="1" kern="1200" baseline="0">
+                <a:solidFill>
+                  <a:schemeClr val="tx2"/>
+                </a:solidFill>
+                <a:latin typeface="+mn-lt"/>
+                <a:ea typeface="+mn-ea"/>
+                <a:cs typeface="+mn-cs"/>
+              </a:defRPr>
+            </a:lvl4pPr>
+            <a:lvl5pPr marL="2286000" indent="-384048" algn="l" defTabSz="914400" rtl="0" eaLnBrk="1" latinLnBrk="0" hangingPunct="1">
+              <a:lnSpc>
+                <a:spcPct val="94000"/>
+              </a:lnSpc>
+              <a:spcBef>
+                <a:spcPts val="500"/>
+              </a:spcBef>
+              <a:spcAft>
+                <a:spcPts val="200"/>
+              </a:spcAft>
+              <a:buFont typeface="Franklin Gothic Book" panose="020B0503020102020204" pitchFamily="34" charset="0"/>
+              <a:buChar char="■"/>
+              <a:defRPr sz="1600" kern="1200" baseline="0">
+                <a:solidFill>
+                  <a:schemeClr val="tx2"/>
+                </a:solidFill>
+                <a:latin typeface="+mn-lt"/>
+                <a:ea typeface="+mn-ea"/>
+                <a:cs typeface="+mn-cs"/>
+              </a:defRPr>
+            </a:lvl5pPr>
+            <a:lvl6pPr marL="2743200" indent="-384048" algn="l" defTabSz="914400" rtl="0" eaLnBrk="1" latinLnBrk="0" hangingPunct="1">
+              <a:lnSpc>
+                <a:spcPct val="94000"/>
+              </a:lnSpc>
+              <a:spcBef>
+                <a:spcPts val="500"/>
+              </a:spcBef>
+              <a:spcAft>
+                <a:spcPts val="200"/>
+              </a:spcAft>
+              <a:buFont typeface="Franklin Gothic Book" panose="020B0503020102020204" pitchFamily="34" charset="0"/>
+              <a:buChar char="–"/>
+              <a:defRPr sz="1600" i="1" kern="1200" baseline="0">
+                <a:solidFill>
+                  <a:schemeClr val="tx2"/>
+                </a:solidFill>
+                <a:latin typeface="+mn-lt"/>
+                <a:ea typeface="+mn-ea"/>
+                <a:cs typeface="+mn-cs"/>
+              </a:defRPr>
+            </a:lvl6pPr>
+            <a:lvl7pPr marL="3200400" indent="-384048" algn="l" defTabSz="914400" rtl="0" eaLnBrk="1" latinLnBrk="0" hangingPunct="1">
+              <a:lnSpc>
+                <a:spcPct val="94000"/>
+              </a:lnSpc>
+              <a:spcBef>
+                <a:spcPts val="500"/>
+              </a:spcBef>
+              <a:spcAft>
+                <a:spcPts val="200"/>
+              </a:spcAft>
+              <a:buFont typeface="Franklin Gothic Book" panose="020B0503020102020204" pitchFamily="34" charset="0"/>
+              <a:buChar char="■"/>
+              <a:defRPr sz="1400" kern="1200" baseline="0">
+                <a:solidFill>
+                  <a:schemeClr val="tx2"/>
+                </a:solidFill>
+                <a:latin typeface="+mn-lt"/>
+                <a:ea typeface="+mn-ea"/>
+                <a:cs typeface="+mn-cs"/>
+              </a:defRPr>
+            </a:lvl7pPr>
+            <a:lvl8pPr marL="3657600" indent="-384048" algn="l" defTabSz="914400" rtl="0" eaLnBrk="1" latinLnBrk="0" hangingPunct="1">
+              <a:lnSpc>
+                <a:spcPct val="94000"/>
+              </a:lnSpc>
+              <a:spcBef>
+                <a:spcPts val="500"/>
+              </a:spcBef>
+              <a:spcAft>
+                <a:spcPts val="200"/>
+              </a:spcAft>
+              <a:buFont typeface="Franklin Gothic Book" panose="020B0503020102020204" pitchFamily="34" charset="0"/>
+              <a:buChar char="–"/>
+              <a:defRPr sz="1400" i="1" kern="1200" baseline="0">
+                <a:solidFill>
+                  <a:schemeClr val="tx2"/>
+                </a:solidFill>
+                <a:latin typeface="+mn-lt"/>
+                <a:ea typeface="+mn-ea"/>
+                <a:cs typeface="+mn-cs"/>
+              </a:defRPr>
+            </a:lvl8pPr>
+            <a:lvl9pPr marL="4114800" indent="-384048" algn="l" defTabSz="914400" rtl="0" eaLnBrk="1" latinLnBrk="0" hangingPunct="1">
+              <a:lnSpc>
+                <a:spcPct val="94000"/>
+              </a:lnSpc>
+              <a:spcBef>
+                <a:spcPts val="500"/>
+              </a:spcBef>
+              <a:spcAft>
+                <a:spcPts val="200"/>
+              </a:spcAft>
+              <a:buFont typeface="Franklin Gothic Book" panose="020B0503020102020204" pitchFamily="34" charset="0"/>
+              <a:buChar char="■"/>
+              <a:defRPr sz="1400" kern="1200" baseline="0">
+                <a:solidFill>
+                  <a:schemeClr val="tx2"/>
+                </a:solidFill>
+                <a:latin typeface="+mn-lt"/>
+                <a:ea typeface="+mn-ea"/>
+                <a:cs typeface="+mn-cs"/>
+              </a:defRPr>
+            </a:lvl9pPr>
+          </a:lstStyle>
+          <a:p>
+            <a:pPr marL="0" indent="0">
+              <a:buFont typeface="Franklin Gothic Book" panose="020B0503020102020204" pitchFamily="34" charset="0"/>
+              <a:buNone/>
+            </a:pPr>
+            <a:r>
+              <a:rPr lang="en-IN" sz="1800" dirty="0" err="1">
+                <a:solidFill>
+                  <a:srgbClr val="0000FF"/>
+                </a:solidFill>
+                <a:latin typeface="Menlo" panose="020B0609030804020204" pitchFamily="49" charset="0"/>
+              </a:rPr>
+              <a:t>async</a:t>
+            </a:r>
+            <a:r>
+              <a:rPr lang="en-IN" sz="1800" dirty="0">
+                <a:solidFill>
+                  <a:srgbClr val="000000"/>
+                </a:solidFill>
+                <a:latin typeface="Menlo" panose="020B0609030804020204" pitchFamily="49" charset="0"/>
+              </a:rPr>
+              <a:t> </a:t>
+            </a:r>
+            <a:r>
+              <a:rPr lang="en-IN" sz="1800" dirty="0">
+                <a:solidFill>
+                  <a:srgbClr val="0000FF"/>
+                </a:solidFill>
+                <a:latin typeface="Menlo" panose="020B0609030804020204" pitchFamily="49" charset="0"/>
+              </a:rPr>
+              <a:t>function</a:t>
+            </a:r>
+            <a:r>
+              <a:rPr lang="en-IN" sz="1800" dirty="0">
+                <a:solidFill>
+                  <a:srgbClr val="000000"/>
+                </a:solidFill>
+                <a:latin typeface="Menlo" panose="020B0609030804020204" pitchFamily="49" charset="0"/>
+              </a:rPr>
+              <a:t> foo() {</a:t>
+            </a:r>
+          </a:p>
+          <a:p>
+            <a:pPr marL="0" indent="0">
+              <a:buFont typeface="Franklin Gothic Book" panose="020B0503020102020204" pitchFamily="34" charset="0"/>
+              <a:buNone/>
+            </a:pPr>
+            <a:r>
+              <a:rPr lang="en-IN" sz="1800" dirty="0">
+                <a:solidFill>
+                  <a:srgbClr val="0000FF"/>
+                </a:solidFill>
+                <a:latin typeface="Menlo" panose="020B0609030804020204" pitchFamily="49" charset="0"/>
+              </a:rPr>
+              <a:t>	return</a:t>
+            </a:r>
+            <a:r>
+              <a:rPr lang="en-IN" sz="1800" dirty="0">
+                <a:solidFill>
+                  <a:srgbClr val="000000"/>
+                </a:solidFill>
+                <a:latin typeface="Menlo" panose="020B0609030804020204" pitchFamily="49" charset="0"/>
+              </a:rPr>
+              <a:t> </a:t>
+            </a:r>
+            <a:r>
+              <a:rPr lang="en-IN" sz="1800" dirty="0">
+                <a:solidFill>
+                  <a:srgbClr val="09885A"/>
+                </a:solidFill>
+                <a:latin typeface="Menlo" panose="020B0609030804020204" pitchFamily="49" charset="0"/>
+              </a:rPr>
+              <a:t>1</a:t>
+            </a:r>
+            <a:r>
+              <a:rPr lang="en-IN" sz="1800" dirty="0">
+                <a:solidFill>
+                  <a:srgbClr val="000000"/>
+                </a:solidFill>
+                <a:latin typeface="Menlo" panose="020B0609030804020204" pitchFamily="49" charset="0"/>
+              </a:rPr>
+              <a:t>;</a:t>
+            </a:r>
+          </a:p>
+          <a:p>
+            <a:pPr marL="0" indent="0">
+              <a:buFont typeface="Franklin Gothic Book" panose="020B0503020102020204" pitchFamily="34" charset="0"/>
+              <a:buNone/>
+            </a:pPr>
+            <a:r>
+              <a:rPr lang="en-IN" sz="1800" dirty="0">
+                <a:solidFill>
+                  <a:srgbClr val="000000"/>
+                </a:solidFill>
+                <a:latin typeface="Menlo" panose="020B0609030804020204" pitchFamily="49" charset="0"/>
+              </a:rPr>
+              <a:t>}</a:t>
+            </a:r>
+          </a:p>
+          <a:p>
+            <a:pPr marL="0" indent="0">
+              <a:buFont typeface="Franklin Gothic Book" panose="020B0503020102020204" pitchFamily="34" charset="0"/>
+              <a:buNone/>
+            </a:pPr>
+            <a:r>
+              <a:rPr lang="en-IN" sz="1800" dirty="0">
+                <a:solidFill>
+                  <a:srgbClr val="000000"/>
+                </a:solidFill>
+                <a:latin typeface="Menlo" panose="020B0609030804020204" pitchFamily="49" charset="0"/>
+              </a:rPr>
+              <a:t>foo().then( </a:t>
+            </a:r>
+            <a:r>
+              <a:rPr lang="en-IN" sz="1800" dirty="0" err="1">
+                <a:solidFill>
+                  <a:srgbClr val="000000"/>
+                </a:solidFill>
+                <a:latin typeface="Menlo" panose="020B0609030804020204" pitchFamily="49" charset="0"/>
+              </a:rPr>
+              <a:t>console.log</a:t>
+            </a:r>
+            <a:r>
+              <a:rPr lang="en-IN" sz="1800" dirty="0">
+                <a:solidFill>
+                  <a:srgbClr val="000000"/>
+                </a:solidFill>
+                <a:latin typeface="Menlo" panose="020B0609030804020204" pitchFamily="49" charset="0"/>
+              </a:rPr>
+              <a:t> );</a:t>
+            </a:r>
+          </a:p>
+          <a:p>
+            <a:pPr marL="0" indent="0">
+              <a:buFont typeface="Franklin Gothic Book" panose="020B0503020102020204" pitchFamily="34" charset="0"/>
+              <a:buNone/>
+            </a:pPr>
+            <a:endParaRPr lang="en-US" dirty="0"/>
+          </a:p>
+        </p:txBody>
+      </p:sp>
+      <p:sp>
+        <p:nvSpPr>
+          <p:cNvPr id="5" name="Content Placeholder 2">
+            <a:extLst>
+              <a:ext uri="{FF2B5EF4-FFF2-40B4-BE49-F238E27FC236}">
+                <a16:creationId xmlns:a16="http://schemas.microsoft.com/office/drawing/2014/main" id="{8143ED0D-72CD-904E-B5BA-A60004F6AD97}"/>
+              </a:ext>
+            </a:extLst>
+          </p:cNvPr>
+          <p:cNvSpPr txBox="1">
+            <a:spLocks/>
+          </p:cNvSpPr>
+          <p:nvPr/>
+        </p:nvSpPr>
+        <p:spPr>
+          <a:xfrm>
+            <a:off x="5185059" y="4239489"/>
+            <a:ext cx="7006936" cy="2154382"/>
+          </a:xfrm>
+          <a:prstGeom prst="rect">
+            <a:avLst/>
+          </a:prstGeom>
+        </p:spPr>
+        <p:txBody>
+          <a:bodyPr vert="horz" lIns="91440" tIns="45720" rIns="91440" bIns="45720" rtlCol="0">
+            <a:normAutofit/>
+          </a:bodyPr>
+          <a:lstStyle>
+            <a:lvl1pPr marL="384048" indent="-384048" algn="l" defTabSz="914400" rtl="0" eaLnBrk="1" latinLnBrk="0" hangingPunct="1">
+              <a:lnSpc>
+                <a:spcPct val="94000"/>
+              </a:lnSpc>
+              <a:spcBef>
+                <a:spcPts val="1000"/>
+              </a:spcBef>
+              <a:spcAft>
+                <a:spcPts val="200"/>
+              </a:spcAft>
+              <a:buFont typeface="Franklin Gothic Book" panose="020B0503020102020204" pitchFamily="34" charset="0"/>
+              <a:buChar char="■"/>
+              <a:defRPr sz="2000" kern="1200" baseline="0">
+                <a:solidFill>
+                  <a:schemeClr val="tx2"/>
+                </a:solidFill>
+                <a:latin typeface="+mn-lt"/>
+                <a:ea typeface="+mn-ea"/>
+                <a:cs typeface="+mn-cs"/>
+              </a:defRPr>
+            </a:lvl1pPr>
+            <a:lvl2pPr marL="914400" indent="-384048" algn="l" defTabSz="914400" rtl="0" eaLnBrk="1" latinLnBrk="0" hangingPunct="1">
+              <a:lnSpc>
+                <a:spcPct val="94000"/>
+              </a:lnSpc>
+              <a:spcBef>
+                <a:spcPts val="500"/>
+              </a:spcBef>
+              <a:spcAft>
+                <a:spcPts val="200"/>
+              </a:spcAft>
+              <a:buFont typeface="Franklin Gothic Book" panose="020B0503020102020204" pitchFamily="34" charset="0"/>
+              <a:buChar char="–"/>
+              <a:defRPr sz="2000" i="1" kern="1200" baseline="0">
+                <a:solidFill>
+                  <a:schemeClr val="tx2"/>
+                </a:solidFill>
+                <a:latin typeface="+mn-lt"/>
+                <a:ea typeface="+mn-ea"/>
+                <a:cs typeface="+mn-cs"/>
+              </a:defRPr>
+            </a:lvl2pPr>
+            <a:lvl3pPr marL="1371600" indent="-384048" algn="l" defTabSz="914400" rtl="0" eaLnBrk="1" latinLnBrk="0" hangingPunct="1">
+              <a:lnSpc>
+                <a:spcPct val="94000"/>
+              </a:lnSpc>
+              <a:spcBef>
+                <a:spcPts val="500"/>
+              </a:spcBef>
+              <a:spcAft>
+                <a:spcPts val="200"/>
+              </a:spcAft>
+              <a:buFont typeface="Franklin Gothic Book" panose="020B0503020102020204" pitchFamily="34" charset="0"/>
+              <a:buChar char="■"/>
+              <a:defRPr sz="1800" kern="1200" baseline="0">
+                <a:solidFill>
+                  <a:schemeClr val="tx2"/>
+                </a:solidFill>
+                <a:latin typeface="+mn-lt"/>
+                <a:ea typeface="+mn-ea"/>
+                <a:cs typeface="+mn-cs"/>
+              </a:defRPr>
+            </a:lvl3pPr>
+            <a:lvl4pPr marL="1828800" indent="-384048" algn="l" defTabSz="914400" rtl="0" eaLnBrk="1" latinLnBrk="0" hangingPunct="1">
+              <a:lnSpc>
+                <a:spcPct val="94000"/>
+              </a:lnSpc>
+              <a:spcBef>
+                <a:spcPts val="500"/>
+              </a:spcBef>
+              <a:spcAft>
+                <a:spcPts val="200"/>
+              </a:spcAft>
+              <a:buFont typeface="Franklin Gothic Book" panose="020B0503020102020204" pitchFamily="34" charset="0"/>
+              <a:buChar char="–"/>
+              <a:defRPr sz="1800" i="1" kern="1200" baseline="0">
+                <a:solidFill>
+                  <a:schemeClr val="tx2"/>
+                </a:solidFill>
+                <a:latin typeface="+mn-lt"/>
+                <a:ea typeface="+mn-ea"/>
+                <a:cs typeface="+mn-cs"/>
+              </a:defRPr>
+            </a:lvl4pPr>
+            <a:lvl5pPr marL="2286000" indent="-384048" algn="l" defTabSz="914400" rtl="0" eaLnBrk="1" latinLnBrk="0" hangingPunct="1">
+              <a:lnSpc>
+                <a:spcPct val="94000"/>
+              </a:lnSpc>
+              <a:spcBef>
+                <a:spcPts val="500"/>
+              </a:spcBef>
+              <a:spcAft>
+                <a:spcPts val="200"/>
+              </a:spcAft>
+              <a:buFont typeface="Franklin Gothic Book" panose="020B0503020102020204" pitchFamily="34" charset="0"/>
+              <a:buChar char="■"/>
+              <a:defRPr sz="1600" kern="1200" baseline="0">
+                <a:solidFill>
+                  <a:schemeClr val="tx2"/>
+                </a:solidFill>
+                <a:latin typeface="+mn-lt"/>
+                <a:ea typeface="+mn-ea"/>
+                <a:cs typeface="+mn-cs"/>
+              </a:defRPr>
+            </a:lvl5pPr>
+            <a:lvl6pPr marL="2743200" indent="-384048" algn="l" defTabSz="914400" rtl="0" eaLnBrk="1" latinLnBrk="0" hangingPunct="1">
+              <a:lnSpc>
+                <a:spcPct val="94000"/>
+              </a:lnSpc>
+              <a:spcBef>
+                <a:spcPts val="500"/>
+              </a:spcBef>
+              <a:spcAft>
+                <a:spcPts val="200"/>
+              </a:spcAft>
+              <a:buFont typeface="Franklin Gothic Book" panose="020B0503020102020204" pitchFamily="34" charset="0"/>
+              <a:buChar char="–"/>
+              <a:defRPr sz="1600" i="1" kern="1200" baseline="0">
+                <a:solidFill>
+                  <a:schemeClr val="tx2"/>
+                </a:solidFill>
+                <a:latin typeface="+mn-lt"/>
+                <a:ea typeface="+mn-ea"/>
+                <a:cs typeface="+mn-cs"/>
+              </a:defRPr>
+            </a:lvl6pPr>
+            <a:lvl7pPr marL="3200400" indent="-384048" algn="l" defTabSz="914400" rtl="0" eaLnBrk="1" latinLnBrk="0" hangingPunct="1">
+              <a:lnSpc>
+                <a:spcPct val="94000"/>
+              </a:lnSpc>
+              <a:spcBef>
+                <a:spcPts val="500"/>
+              </a:spcBef>
+              <a:spcAft>
+                <a:spcPts val="200"/>
+              </a:spcAft>
+              <a:buFont typeface="Franklin Gothic Book" panose="020B0503020102020204" pitchFamily="34" charset="0"/>
+              <a:buChar char="■"/>
+              <a:defRPr sz="1400" kern="1200" baseline="0">
+                <a:solidFill>
+                  <a:schemeClr val="tx2"/>
+                </a:solidFill>
+                <a:latin typeface="+mn-lt"/>
+                <a:ea typeface="+mn-ea"/>
+                <a:cs typeface="+mn-cs"/>
+              </a:defRPr>
+            </a:lvl7pPr>
+            <a:lvl8pPr marL="3657600" indent="-384048" algn="l" defTabSz="914400" rtl="0" eaLnBrk="1" latinLnBrk="0" hangingPunct="1">
+              <a:lnSpc>
+                <a:spcPct val="94000"/>
+              </a:lnSpc>
+              <a:spcBef>
+                <a:spcPts val="500"/>
+              </a:spcBef>
+              <a:spcAft>
+                <a:spcPts val="200"/>
+              </a:spcAft>
+              <a:buFont typeface="Franklin Gothic Book" panose="020B0503020102020204" pitchFamily="34" charset="0"/>
+              <a:buChar char="–"/>
+              <a:defRPr sz="1400" i="1" kern="1200" baseline="0">
+                <a:solidFill>
+                  <a:schemeClr val="tx2"/>
+                </a:solidFill>
+                <a:latin typeface="+mn-lt"/>
+                <a:ea typeface="+mn-ea"/>
+                <a:cs typeface="+mn-cs"/>
+              </a:defRPr>
+            </a:lvl8pPr>
+            <a:lvl9pPr marL="4114800" indent="-384048" algn="l" defTabSz="914400" rtl="0" eaLnBrk="1" latinLnBrk="0" hangingPunct="1">
+              <a:lnSpc>
+                <a:spcPct val="94000"/>
+              </a:lnSpc>
+              <a:spcBef>
+                <a:spcPts val="500"/>
+              </a:spcBef>
+              <a:spcAft>
+                <a:spcPts val="200"/>
+              </a:spcAft>
+              <a:buFont typeface="Franklin Gothic Book" panose="020B0503020102020204" pitchFamily="34" charset="0"/>
+              <a:buChar char="■"/>
+              <a:defRPr sz="1400" kern="1200" baseline="0">
+                <a:solidFill>
+                  <a:schemeClr val="tx2"/>
+                </a:solidFill>
+                <a:latin typeface="+mn-lt"/>
+                <a:ea typeface="+mn-ea"/>
+                <a:cs typeface="+mn-cs"/>
+              </a:defRPr>
+            </a:lvl9pPr>
+          </a:lstStyle>
+          <a:p>
+            <a:pPr marL="0" indent="0">
+              <a:buNone/>
+            </a:pPr>
+            <a:r>
+              <a:rPr lang="en-IN" sz="1800" dirty="0" err="1">
+                <a:solidFill>
+                  <a:srgbClr val="0000FF"/>
+                </a:solidFill>
+                <a:latin typeface="Menlo" panose="020B0609030804020204" pitchFamily="49" charset="0"/>
+              </a:rPr>
+              <a:t>async</a:t>
+            </a:r>
+            <a:r>
+              <a:rPr lang="en-IN" sz="1800" dirty="0">
+                <a:solidFill>
+                  <a:srgbClr val="000000"/>
+                </a:solidFill>
+                <a:latin typeface="Menlo" panose="020B0609030804020204" pitchFamily="49" charset="0"/>
+              </a:rPr>
+              <a:t> </a:t>
+            </a:r>
+            <a:r>
+              <a:rPr lang="en-IN" sz="1800" dirty="0">
+                <a:solidFill>
+                  <a:srgbClr val="0000FF"/>
+                </a:solidFill>
+                <a:latin typeface="Menlo" panose="020B0609030804020204" pitchFamily="49" charset="0"/>
+              </a:rPr>
+              <a:t>function</a:t>
+            </a:r>
+            <a:r>
+              <a:rPr lang="en-IN" sz="1800" dirty="0">
+                <a:solidFill>
+                  <a:srgbClr val="000000"/>
+                </a:solidFill>
+                <a:latin typeface="Menlo" panose="020B0609030804020204" pitchFamily="49" charset="0"/>
+              </a:rPr>
+              <a:t> foo() {</a:t>
+            </a:r>
+          </a:p>
+          <a:p>
+            <a:pPr marL="0" indent="0">
+              <a:buNone/>
+            </a:pPr>
+            <a:r>
+              <a:rPr lang="en-IN" sz="1800" dirty="0">
+                <a:solidFill>
+                  <a:srgbClr val="0000FF"/>
+                </a:solidFill>
+                <a:latin typeface="Menlo" panose="020B0609030804020204" pitchFamily="49" charset="0"/>
+              </a:rPr>
+              <a:t>	throw</a:t>
+            </a:r>
+            <a:r>
+              <a:rPr lang="en-IN" sz="1800" dirty="0">
+                <a:solidFill>
+                  <a:srgbClr val="000000"/>
+                </a:solidFill>
+                <a:latin typeface="Menlo" panose="020B0609030804020204" pitchFamily="49" charset="0"/>
+              </a:rPr>
+              <a:t> </a:t>
+            </a:r>
+            <a:r>
+              <a:rPr lang="en-IN" sz="1800" dirty="0">
+                <a:solidFill>
+                  <a:srgbClr val="0000FF"/>
+                </a:solidFill>
+                <a:latin typeface="Menlo" panose="020B0609030804020204" pitchFamily="49" charset="0"/>
+              </a:rPr>
+              <a:t>new</a:t>
+            </a:r>
+            <a:r>
+              <a:rPr lang="en-IN" sz="1800" dirty="0">
+                <a:solidFill>
+                  <a:srgbClr val="000000"/>
+                </a:solidFill>
+                <a:latin typeface="Menlo" panose="020B0609030804020204" pitchFamily="49" charset="0"/>
+              </a:rPr>
+              <a:t> Error(</a:t>
+            </a:r>
+            <a:r>
+              <a:rPr lang="en-IN" sz="1800" dirty="0">
+                <a:solidFill>
+                  <a:srgbClr val="A31515"/>
+                </a:solidFill>
+                <a:latin typeface="Menlo" panose="020B0609030804020204" pitchFamily="49" charset="0"/>
+              </a:rPr>
+              <a:t>'</a:t>
+            </a:r>
+            <a:r>
+              <a:rPr lang="en-IN" sz="1800" dirty="0" err="1">
+                <a:solidFill>
+                  <a:srgbClr val="A31515"/>
+                </a:solidFill>
+                <a:latin typeface="Menlo" panose="020B0609030804020204" pitchFamily="49" charset="0"/>
+              </a:rPr>
+              <a:t>ff</a:t>
+            </a:r>
+            <a:r>
+              <a:rPr lang="en-IN" sz="1800" dirty="0">
+                <a:solidFill>
+                  <a:srgbClr val="A31515"/>
+                </a:solidFill>
+                <a:latin typeface="Menlo" panose="020B0609030804020204" pitchFamily="49" charset="0"/>
+              </a:rPr>
+              <a:t>’</a:t>
+            </a:r>
+            <a:r>
+              <a:rPr lang="en-IN" sz="1800" dirty="0">
+                <a:solidFill>
+                  <a:srgbClr val="000000"/>
+                </a:solidFill>
+                <a:latin typeface="Menlo" panose="020B0609030804020204" pitchFamily="49" charset="0"/>
+              </a:rPr>
+              <a:t>);</a:t>
+            </a:r>
+          </a:p>
+          <a:p>
+            <a:pPr marL="0" indent="0">
+              <a:buNone/>
+            </a:pPr>
+            <a:r>
+              <a:rPr lang="en-IN" sz="1800" dirty="0">
+                <a:solidFill>
+                  <a:srgbClr val="000000"/>
+                </a:solidFill>
+                <a:latin typeface="Menlo" panose="020B0609030804020204" pitchFamily="49" charset="0"/>
+              </a:rPr>
+              <a:t>}</a:t>
+            </a:r>
+          </a:p>
+          <a:p>
+            <a:pPr marL="0" indent="0">
+              <a:buNone/>
+            </a:pPr>
+            <a:r>
+              <a:rPr lang="en-IN" sz="1800" dirty="0">
+                <a:solidFill>
+                  <a:srgbClr val="000000"/>
+                </a:solidFill>
+                <a:latin typeface="Menlo" panose="020B0609030804020204" pitchFamily="49" charset="0"/>
+              </a:rPr>
+              <a:t>foo().catch( err </a:t>
+            </a:r>
+            <a:r>
+              <a:rPr lang="en-IN" sz="1800" dirty="0">
+                <a:solidFill>
+                  <a:srgbClr val="0000FF"/>
+                </a:solidFill>
+                <a:latin typeface="Menlo" panose="020B0609030804020204" pitchFamily="49" charset="0"/>
+              </a:rPr>
+              <a:t>=&gt;</a:t>
+            </a:r>
+            <a:r>
+              <a:rPr lang="en-IN" sz="1800" dirty="0">
+                <a:solidFill>
+                  <a:srgbClr val="000000"/>
+                </a:solidFill>
+                <a:latin typeface="Menlo" panose="020B0609030804020204" pitchFamily="49" charset="0"/>
+              </a:rPr>
+              <a:t> </a:t>
+            </a:r>
+            <a:r>
+              <a:rPr lang="en-IN" sz="1800" dirty="0" err="1">
+                <a:solidFill>
+                  <a:srgbClr val="000000"/>
+                </a:solidFill>
+                <a:latin typeface="Menlo" panose="020B0609030804020204" pitchFamily="49" charset="0"/>
+              </a:rPr>
+              <a:t>console.log</a:t>
+            </a:r>
+            <a:r>
+              <a:rPr lang="en-IN" sz="1800" dirty="0">
+                <a:solidFill>
+                  <a:srgbClr val="000000"/>
+                </a:solidFill>
+                <a:latin typeface="Menlo" panose="020B0609030804020204" pitchFamily="49" charset="0"/>
+              </a:rPr>
+              <a:t>( </a:t>
+            </a:r>
+            <a:r>
+              <a:rPr lang="en-IN" sz="1800" dirty="0" err="1">
+                <a:solidFill>
+                  <a:srgbClr val="000000"/>
+                </a:solidFill>
+                <a:latin typeface="Menlo" panose="020B0609030804020204" pitchFamily="49" charset="0"/>
+              </a:rPr>
+              <a:t>err.message</a:t>
+            </a:r>
+            <a:r>
+              <a:rPr lang="en-IN" sz="1800" dirty="0">
+                <a:solidFill>
+                  <a:srgbClr val="000000"/>
+                </a:solidFill>
+                <a:latin typeface="Menlo" panose="020B0609030804020204" pitchFamily="49" charset="0"/>
+              </a:rPr>
+              <a:t> ) );</a:t>
+            </a:r>
+          </a:p>
+          <a:p>
+            <a:pPr marL="0" indent="0">
+              <a:buFont typeface="Franklin Gothic Book" panose="020B0503020102020204" pitchFamily="34" charset="0"/>
+              <a:buNone/>
+            </a:pPr>
+            <a:endParaRPr lang="en-US" dirty="0"/>
           </a:p>
         </p:txBody>
       </p:sp>
     </p:spTree>
     <p:extLst>
       <p:ext uri="{BB962C8B-B14F-4D97-AF65-F5344CB8AC3E}">
-        <p14:creationId xmlns:p14="http://schemas.microsoft.com/office/powerpoint/2010/main" val="782661242"/>
+        <p14:creationId xmlns:p14="http://schemas.microsoft.com/office/powerpoint/2010/main" val="4012400313"/>
       </p:ext>
     </p:extLst>
   </p:cSld>
@@ -4788,7 +5303,7 @@
           <p:cNvPr id="2" name="Title 1">
             <a:extLst>
               <a:ext uri="{FF2B5EF4-FFF2-40B4-BE49-F238E27FC236}">
-                <a16:creationId xmlns:a16="http://schemas.microsoft.com/office/drawing/2014/main" id="{A8DB91FF-3597-C845-9275-AFA6F3E98C78}"/>
+                <a16:creationId xmlns:a16="http://schemas.microsoft.com/office/drawing/2014/main" id="{F531E653-B45B-0549-854B-31C2C8796259}"/>
               </a:ext>
             </a:extLst>
           </p:cNvPr>
@@ -4799,40 +5314,154 @@
             <p:ph type="title"/>
           </p:nvPr>
         </p:nvSpPr>
-        <p:spPr>
-          <a:xfrm>
-            <a:off x="1371600" y="685799"/>
-            <a:ext cx="9601200" cy="5482525"/>
-          </a:xfrm>
-        </p:spPr>
+        <p:spPr/>
         <p:txBody>
           <a:bodyPr/>
           <a:lstStyle/>
           <a:p>
-            <a:pPr algn="ctr"/>
-            <a:br>
-              <a:rPr lang="en-US" dirty="0"/>
-            </a:br>
-            <a:br>
-              <a:rPr lang="en-US" dirty="0"/>
-            </a:br>
-            <a:br>
-              <a:rPr lang="en-US" dirty="0"/>
-            </a:br>
-            <a:br>
-              <a:rPr lang="en-US" dirty="0"/>
-            </a:br>
-            <a:r>
-              <a:rPr lang="en-US" dirty="0"/>
-              <a:t>More you can explore…</a:t>
-            </a:r>
+            <a:r>
+              <a:rPr lang="en-US" dirty="0"/>
+              <a:t>await</a:t>
+            </a:r>
+          </a:p>
+        </p:txBody>
+      </p:sp>
+      <p:sp>
+        <p:nvSpPr>
+          <p:cNvPr id="3" name="Content Placeholder 2">
+            <a:extLst>
+              <a:ext uri="{FF2B5EF4-FFF2-40B4-BE49-F238E27FC236}">
+                <a16:creationId xmlns:a16="http://schemas.microsoft.com/office/drawing/2014/main" id="{29C622F4-27F0-FF4A-A2AA-0F4C746CCA59}"/>
+              </a:ext>
+            </a:extLst>
+          </p:cNvPr>
+          <p:cNvSpPr>
+            <a:spLocks noGrp="1"/>
+          </p:cNvSpPr>
+          <p:nvPr>
+            <p:ph idx="1"/>
+          </p:nvPr>
+        </p:nvSpPr>
+        <p:spPr/>
+        <p:txBody>
+          <a:bodyPr/>
+          <a:lstStyle/>
+          <a:p>
+            <a:r>
+              <a:rPr lang="en-US" dirty="0"/>
+              <a:t>The </a:t>
+            </a:r>
+            <a:r>
+              <a:rPr lang="en-US" dirty="0">
+                <a:solidFill>
+                  <a:srgbClr val="0000FF"/>
+                </a:solidFill>
+                <a:latin typeface="Menlo" panose="020B0609030804020204" pitchFamily="49" charset="0"/>
+              </a:rPr>
+              <a:t>await</a:t>
+            </a:r>
+            <a:r>
+              <a:rPr lang="en-US" dirty="0"/>
+              <a:t> keyword can be used only within a function marked </a:t>
+            </a:r>
+            <a:r>
+              <a:rPr lang="en-US" dirty="0" err="1">
+                <a:solidFill>
+                  <a:srgbClr val="0000FF"/>
+                </a:solidFill>
+                <a:latin typeface="Menlo" panose="020B0609030804020204" pitchFamily="49" charset="0"/>
+              </a:rPr>
+              <a:t>async</a:t>
+            </a:r>
+            <a:endParaRPr lang="en-US" dirty="0">
+              <a:solidFill>
+                <a:srgbClr val="0000FF"/>
+              </a:solidFill>
+              <a:latin typeface="Menlo" panose="020B0609030804020204" pitchFamily="49" charset="0"/>
+            </a:endParaRPr>
+          </a:p>
+          <a:p>
+            <a:r>
+              <a:rPr lang="en-US" dirty="0"/>
+              <a:t>It expects a promise after it. The </a:t>
+            </a:r>
+            <a:r>
+              <a:rPr lang="en-US" dirty="0" err="1"/>
+              <a:t>async</a:t>
+            </a:r>
+            <a:r>
+              <a:rPr lang="en-US" dirty="0"/>
+              <a:t> function “</a:t>
+            </a:r>
+            <a:r>
+              <a:rPr lang="en-US" b="1" dirty="0"/>
+              <a:t>pauses” </a:t>
+            </a:r>
+            <a:r>
+              <a:rPr lang="en-US" dirty="0"/>
+              <a:t>when await is called. It “</a:t>
+            </a:r>
+            <a:r>
+              <a:rPr lang="en-US" b="1" dirty="0"/>
+              <a:t>resumes” </a:t>
+            </a:r>
+            <a:r>
+              <a:rPr lang="en-US" dirty="0"/>
+              <a:t>only after the promise resolves/rejects</a:t>
+            </a:r>
+          </a:p>
+          <a:p>
+            <a:r>
+              <a:rPr lang="en-US" dirty="0"/>
+              <a:t>The JavaScript runtime continues execution of other statements while the </a:t>
+            </a:r>
+            <a:r>
+              <a:rPr lang="en-US" dirty="0" err="1"/>
+              <a:t>async</a:t>
+            </a:r>
+            <a:r>
+              <a:rPr lang="en-US" dirty="0"/>
+              <a:t> function is paused</a:t>
+            </a:r>
+          </a:p>
+          <a:p>
+            <a:r>
+              <a:rPr lang="en-US" dirty="0"/>
+              <a:t>If promise resolves, the resolved value is the value of the await expression</a:t>
+            </a:r>
+          </a:p>
+          <a:p>
+            <a:r>
+              <a:rPr lang="en-US" dirty="0"/>
+              <a:t>If promise rejects, an error is thrown</a:t>
+            </a:r>
+          </a:p>
+          <a:p>
+            <a:r>
+              <a:rPr lang="en-US" dirty="0"/>
+              <a:t>Tip: Surround await calls with a </a:t>
+            </a:r>
+            <a:r>
+              <a:rPr lang="en-US" dirty="0" err="1"/>
+              <a:t>try..catch</a:t>
+            </a:r>
+            <a:r>
+              <a:rPr lang="en-US" dirty="0"/>
+              <a:t> block.</a:t>
+            </a:r>
+          </a:p>
+          <a:p>
+            <a:pPr marL="0" indent="0">
+              <a:buNone/>
+            </a:pPr>
+            <a:endParaRPr lang="en-US" dirty="0"/>
           </a:p>
         </p:txBody>
       </p:sp>
     </p:spTree>
     <p:extLst>
       <p:ext uri="{BB962C8B-B14F-4D97-AF65-F5344CB8AC3E}">
-        <p14:creationId xmlns:p14="http://schemas.microsoft.com/office/powerpoint/2010/main" val="1995549122"/>
+        <p14:creationId xmlns:p14="http://schemas.microsoft.com/office/powerpoint/2010/main" val="2752900871"/>
       </p:ext>
     </p:extLst>
   </p:cSld>
@@ -4864,6 +5493,1246 @@
           <p:cNvPr id="2" name="Title 1">
             <a:extLst>
               <a:ext uri="{FF2B5EF4-FFF2-40B4-BE49-F238E27FC236}">
+                <a16:creationId xmlns:a16="http://schemas.microsoft.com/office/drawing/2014/main" id="{F531E653-B45B-0549-854B-31C2C8796259}"/>
+              </a:ext>
+            </a:extLst>
+          </p:cNvPr>
+          <p:cNvSpPr>
+            <a:spLocks noGrp="1"/>
+          </p:cNvSpPr>
+          <p:nvPr>
+            <p:ph type="title"/>
+          </p:nvPr>
+        </p:nvSpPr>
+        <p:spPr/>
+        <p:txBody>
+          <a:bodyPr/>
+          <a:lstStyle/>
+          <a:p>
+            <a:r>
+              <a:rPr lang="en-US" dirty="0"/>
+              <a:t>await</a:t>
+            </a:r>
+          </a:p>
+        </p:txBody>
+      </p:sp>
+      <p:sp>
+        <p:nvSpPr>
+          <p:cNvPr id="3" name="Content Placeholder 2">
+            <a:extLst>
+              <a:ext uri="{FF2B5EF4-FFF2-40B4-BE49-F238E27FC236}">
+                <a16:creationId xmlns:a16="http://schemas.microsoft.com/office/drawing/2014/main" id="{29C622F4-27F0-FF4A-A2AA-0F4C746CCA59}"/>
+              </a:ext>
+            </a:extLst>
+          </p:cNvPr>
+          <p:cNvSpPr>
+            <a:spLocks noGrp="1"/>
+          </p:cNvSpPr>
+          <p:nvPr>
+            <p:ph idx="1"/>
+          </p:nvPr>
+        </p:nvSpPr>
+        <p:spPr/>
+        <p:txBody>
+          <a:bodyPr>
+            <a:normAutofit fontScale="85000" lnSpcReduction="20000"/>
+          </a:bodyPr>
+          <a:lstStyle/>
+          <a:p>
+            <a:pPr marL="0" indent="0">
+              <a:buNone/>
+            </a:pPr>
+            <a:r>
+              <a:rPr lang="en-IN" dirty="0">
+                <a:solidFill>
+                  <a:srgbClr val="000000"/>
+                </a:solidFill>
+                <a:latin typeface="Menlo" panose="020B0609030804020204" pitchFamily="49" charset="0"/>
+              </a:rPr>
+              <a:t>(</a:t>
+            </a:r>
+            <a:r>
+              <a:rPr lang="en-IN" dirty="0" err="1">
+                <a:solidFill>
+                  <a:srgbClr val="0000FF"/>
+                </a:solidFill>
+                <a:latin typeface="Menlo" panose="020B0609030804020204" pitchFamily="49" charset="0"/>
+              </a:rPr>
+              <a:t>async</a:t>
+            </a:r>
+            <a:r>
+              <a:rPr lang="en-IN" dirty="0">
+                <a:solidFill>
+                  <a:srgbClr val="000000"/>
+                </a:solidFill>
+                <a:latin typeface="Menlo" panose="020B0609030804020204" pitchFamily="49" charset="0"/>
+              </a:rPr>
+              <a:t> </a:t>
+            </a:r>
+            <a:r>
+              <a:rPr lang="en-IN" dirty="0">
+                <a:solidFill>
+                  <a:srgbClr val="0000FF"/>
+                </a:solidFill>
+                <a:latin typeface="Menlo" panose="020B0609030804020204" pitchFamily="49" charset="0"/>
+              </a:rPr>
+              <a:t>function</a:t>
+            </a:r>
+            <a:r>
+              <a:rPr lang="en-IN" dirty="0">
+                <a:solidFill>
+                  <a:srgbClr val="000000"/>
+                </a:solidFill>
+                <a:latin typeface="Menlo" panose="020B0609030804020204" pitchFamily="49" charset="0"/>
+              </a:rPr>
+              <a:t>() {</a:t>
+            </a:r>
+          </a:p>
+          <a:p>
+            <a:pPr marL="0" indent="0">
+              <a:buNone/>
+            </a:pPr>
+            <a:r>
+              <a:rPr lang="en-IN" dirty="0">
+                <a:solidFill>
+                  <a:srgbClr val="0000FF"/>
+                </a:solidFill>
+                <a:latin typeface="Menlo" panose="020B0609030804020204" pitchFamily="49" charset="0"/>
+              </a:rPr>
+              <a:t>	try</a:t>
+            </a:r>
+            <a:r>
+              <a:rPr lang="en-IN" dirty="0">
+                <a:solidFill>
+                  <a:srgbClr val="000000"/>
+                </a:solidFill>
+                <a:latin typeface="Menlo" panose="020B0609030804020204" pitchFamily="49" charset="0"/>
+              </a:rPr>
+              <a:t> {</a:t>
+            </a:r>
+          </a:p>
+          <a:p>
+            <a:pPr marL="0" indent="0">
+              <a:buNone/>
+            </a:pPr>
+            <a:r>
+              <a:rPr lang="en-IN" dirty="0">
+                <a:solidFill>
+                  <a:srgbClr val="0000FF"/>
+                </a:solidFill>
+                <a:latin typeface="Menlo" panose="020B0609030804020204" pitchFamily="49" charset="0"/>
+              </a:rPr>
+              <a:t>		let</a:t>
+            </a:r>
+            <a:r>
+              <a:rPr lang="en-IN" dirty="0">
+                <a:solidFill>
+                  <a:srgbClr val="000000"/>
+                </a:solidFill>
+                <a:latin typeface="Menlo" panose="020B0609030804020204" pitchFamily="49" charset="0"/>
+              </a:rPr>
+              <a:t> result1 = </a:t>
+            </a:r>
+            <a:r>
+              <a:rPr lang="en-IN" dirty="0">
+                <a:solidFill>
+                  <a:srgbClr val="0000FF"/>
+                </a:solidFill>
+                <a:latin typeface="Menlo" panose="020B0609030804020204" pitchFamily="49" charset="0"/>
+              </a:rPr>
+              <a:t>await</a:t>
+            </a:r>
+            <a:r>
+              <a:rPr lang="en-IN" dirty="0">
+                <a:solidFill>
+                  <a:srgbClr val="000000"/>
+                </a:solidFill>
+                <a:latin typeface="Menlo" panose="020B0609030804020204" pitchFamily="49" charset="0"/>
+              </a:rPr>
+              <a:t> </a:t>
+            </a:r>
+            <a:r>
+              <a:rPr lang="en-IN" dirty="0" err="1">
+                <a:solidFill>
+                  <a:srgbClr val="000000"/>
+                </a:solidFill>
+                <a:latin typeface="Menlo" panose="020B0609030804020204" pitchFamily="49" charset="0"/>
+              </a:rPr>
+              <a:t>sumAsync</a:t>
+            </a:r>
+            <a:r>
+              <a:rPr lang="en-IN" dirty="0">
+                <a:solidFill>
+                  <a:srgbClr val="000000"/>
+                </a:solidFill>
+                <a:latin typeface="Menlo" panose="020B0609030804020204" pitchFamily="49" charset="0"/>
+              </a:rPr>
+              <a:t>( </a:t>
+            </a:r>
+            <a:r>
+              <a:rPr lang="en-IN" dirty="0">
+                <a:solidFill>
+                  <a:srgbClr val="09885A"/>
+                </a:solidFill>
+                <a:latin typeface="Menlo" panose="020B0609030804020204" pitchFamily="49" charset="0"/>
+              </a:rPr>
+              <a:t>1</a:t>
+            </a:r>
+            <a:r>
+              <a:rPr lang="en-IN" dirty="0">
+                <a:solidFill>
+                  <a:srgbClr val="000000"/>
+                </a:solidFill>
+                <a:latin typeface="Menlo" panose="020B0609030804020204" pitchFamily="49" charset="0"/>
+              </a:rPr>
+              <a:t>, </a:t>
+            </a:r>
+            <a:r>
+              <a:rPr lang="en-IN" dirty="0">
+                <a:solidFill>
+                  <a:srgbClr val="09885A"/>
+                </a:solidFill>
+                <a:latin typeface="Menlo" panose="020B0609030804020204" pitchFamily="49" charset="0"/>
+              </a:rPr>
+              <a:t>2</a:t>
+            </a:r>
+            <a:r>
+              <a:rPr lang="en-IN" dirty="0">
+                <a:solidFill>
+                  <a:srgbClr val="000000"/>
+                </a:solidFill>
+                <a:latin typeface="Menlo" panose="020B0609030804020204" pitchFamily="49" charset="0"/>
+              </a:rPr>
+              <a:t> );</a:t>
+            </a:r>
+          </a:p>
+          <a:p>
+            <a:pPr marL="0" indent="0">
+              <a:buNone/>
+            </a:pPr>
+            <a:r>
+              <a:rPr lang="en-IN" dirty="0">
+                <a:solidFill>
+                  <a:srgbClr val="0000FF"/>
+                </a:solidFill>
+                <a:latin typeface="Menlo" panose="020B0609030804020204" pitchFamily="49" charset="0"/>
+              </a:rPr>
+              <a:t>		let</a:t>
+            </a:r>
+            <a:r>
+              <a:rPr lang="en-IN" dirty="0">
+                <a:solidFill>
+                  <a:srgbClr val="000000"/>
+                </a:solidFill>
+                <a:latin typeface="Menlo" panose="020B0609030804020204" pitchFamily="49" charset="0"/>
+              </a:rPr>
+              <a:t> result2 = </a:t>
+            </a:r>
+            <a:r>
+              <a:rPr lang="en-IN" dirty="0">
+                <a:solidFill>
+                  <a:srgbClr val="0000FF"/>
+                </a:solidFill>
+                <a:latin typeface="Menlo" panose="020B0609030804020204" pitchFamily="49" charset="0"/>
+              </a:rPr>
+              <a:t>await</a:t>
+            </a:r>
+            <a:r>
+              <a:rPr lang="en-IN" dirty="0">
+                <a:solidFill>
+                  <a:srgbClr val="000000"/>
+                </a:solidFill>
+                <a:latin typeface="Menlo" panose="020B0609030804020204" pitchFamily="49" charset="0"/>
+              </a:rPr>
+              <a:t> </a:t>
+            </a:r>
+            <a:r>
+              <a:rPr lang="en-IN" dirty="0" err="1">
+                <a:solidFill>
+                  <a:srgbClr val="000000"/>
+                </a:solidFill>
+                <a:latin typeface="Menlo" panose="020B0609030804020204" pitchFamily="49" charset="0"/>
+              </a:rPr>
+              <a:t>sumAsync</a:t>
+            </a:r>
+            <a:r>
+              <a:rPr lang="en-IN" dirty="0">
+                <a:solidFill>
+                  <a:srgbClr val="000000"/>
+                </a:solidFill>
+                <a:latin typeface="Menlo" panose="020B0609030804020204" pitchFamily="49" charset="0"/>
+              </a:rPr>
+              <a:t>( result1, </a:t>
+            </a:r>
+            <a:r>
+              <a:rPr lang="en-IN" dirty="0">
+                <a:solidFill>
+                  <a:srgbClr val="09885A"/>
+                </a:solidFill>
+                <a:latin typeface="Menlo" panose="020B0609030804020204" pitchFamily="49" charset="0"/>
+              </a:rPr>
+              <a:t>3</a:t>
+            </a:r>
+            <a:r>
+              <a:rPr lang="en-IN" dirty="0">
+                <a:solidFill>
+                  <a:srgbClr val="000000"/>
+                </a:solidFill>
+                <a:latin typeface="Menlo" panose="020B0609030804020204" pitchFamily="49" charset="0"/>
+              </a:rPr>
+              <a:t> );</a:t>
+            </a:r>
+          </a:p>
+          <a:p>
+            <a:pPr marL="0" indent="0">
+              <a:buNone/>
+            </a:pPr>
+            <a:r>
+              <a:rPr lang="en-IN" dirty="0">
+                <a:solidFill>
+                  <a:srgbClr val="0000FF"/>
+                </a:solidFill>
+                <a:latin typeface="Menlo" panose="020B0609030804020204" pitchFamily="49" charset="0"/>
+              </a:rPr>
+              <a:t>		let</a:t>
+            </a:r>
+            <a:r>
+              <a:rPr lang="en-IN" dirty="0">
+                <a:solidFill>
+                  <a:srgbClr val="000000"/>
+                </a:solidFill>
+                <a:latin typeface="Menlo" panose="020B0609030804020204" pitchFamily="49" charset="0"/>
+              </a:rPr>
+              <a:t> result3 = </a:t>
+            </a:r>
+            <a:r>
+              <a:rPr lang="en-IN" dirty="0">
+                <a:solidFill>
+                  <a:srgbClr val="0000FF"/>
+                </a:solidFill>
+                <a:latin typeface="Menlo" panose="020B0609030804020204" pitchFamily="49" charset="0"/>
+              </a:rPr>
+              <a:t>await</a:t>
+            </a:r>
+            <a:r>
+              <a:rPr lang="en-IN" dirty="0">
+                <a:solidFill>
+                  <a:srgbClr val="000000"/>
+                </a:solidFill>
+                <a:latin typeface="Menlo" panose="020B0609030804020204" pitchFamily="49" charset="0"/>
+              </a:rPr>
+              <a:t> </a:t>
+            </a:r>
+            <a:r>
+              <a:rPr lang="en-IN" dirty="0" err="1">
+                <a:solidFill>
+                  <a:srgbClr val="000000"/>
+                </a:solidFill>
+                <a:latin typeface="Menlo" panose="020B0609030804020204" pitchFamily="49" charset="0"/>
+              </a:rPr>
+              <a:t>sumAsync</a:t>
+            </a:r>
+            <a:r>
+              <a:rPr lang="en-IN" dirty="0">
+                <a:solidFill>
+                  <a:srgbClr val="000000"/>
+                </a:solidFill>
+                <a:latin typeface="Menlo" panose="020B0609030804020204" pitchFamily="49" charset="0"/>
+              </a:rPr>
+              <a:t>( result2, </a:t>
+            </a:r>
+            <a:r>
+              <a:rPr lang="en-IN" dirty="0">
+                <a:solidFill>
+                  <a:srgbClr val="09885A"/>
+                </a:solidFill>
+                <a:latin typeface="Menlo" panose="020B0609030804020204" pitchFamily="49" charset="0"/>
+              </a:rPr>
+              <a:t>4</a:t>
+            </a:r>
+            <a:r>
+              <a:rPr lang="en-IN" dirty="0">
+                <a:solidFill>
+                  <a:srgbClr val="000000"/>
+                </a:solidFill>
+                <a:latin typeface="Menlo" panose="020B0609030804020204" pitchFamily="49" charset="0"/>
+              </a:rPr>
+              <a:t> );</a:t>
+            </a:r>
+          </a:p>
+          <a:p>
+            <a:pPr marL="0" indent="0">
+              <a:buNone/>
+            </a:pPr>
+            <a:r>
+              <a:rPr lang="en-IN" dirty="0">
+                <a:solidFill>
+                  <a:srgbClr val="000000"/>
+                </a:solidFill>
+                <a:latin typeface="Menlo" panose="020B0609030804020204" pitchFamily="49" charset="0"/>
+              </a:rPr>
+              <a:t>		</a:t>
+            </a:r>
+            <a:r>
+              <a:rPr lang="en-IN" dirty="0" err="1">
+                <a:solidFill>
+                  <a:srgbClr val="000000"/>
+                </a:solidFill>
+                <a:latin typeface="Menlo" panose="020B0609030804020204" pitchFamily="49" charset="0"/>
+              </a:rPr>
+              <a:t>console.log</a:t>
+            </a:r>
+            <a:r>
+              <a:rPr lang="en-IN" dirty="0">
+                <a:solidFill>
+                  <a:srgbClr val="000000"/>
+                </a:solidFill>
+                <a:latin typeface="Menlo" panose="020B0609030804020204" pitchFamily="49" charset="0"/>
+              </a:rPr>
+              <a:t>( result3 );</a:t>
+            </a:r>
+          </a:p>
+          <a:p>
+            <a:pPr marL="0" indent="0">
+              <a:buNone/>
+            </a:pPr>
+            <a:r>
+              <a:rPr lang="en-IN" dirty="0">
+                <a:solidFill>
+                  <a:srgbClr val="000000"/>
+                </a:solidFill>
+                <a:latin typeface="Menlo" panose="020B0609030804020204" pitchFamily="49" charset="0"/>
+              </a:rPr>
+              <a:t>	} </a:t>
+            </a:r>
+            <a:r>
+              <a:rPr lang="en-IN" dirty="0">
+                <a:solidFill>
+                  <a:srgbClr val="0000FF"/>
+                </a:solidFill>
+                <a:latin typeface="Menlo" panose="020B0609030804020204" pitchFamily="49" charset="0"/>
+              </a:rPr>
+              <a:t>catch</a:t>
+            </a:r>
+            <a:r>
+              <a:rPr lang="en-IN" dirty="0">
+                <a:solidFill>
+                  <a:srgbClr val="000000"/>
+                </a:solidFill>
+                <a:latin typeface="Menlo" panose="020B0609030804020204" pitchFamily="49" charset="0"/>
+              </a:rPr>
+              <a:t>( error ) {</a:t>
+            </a:r>
+          </a:p>
+          <a:p>
+            <a:pPr marL="0" indent="0">
+              <a:buNone/>
+            </a:pPr>
+            <a:r>
+              <a:rPr lang="en-IN" dirty="0">
+                <a:solidFill>
+                  <a:srgbClr val="000000"/>
+                </a:solidFill>
+                <a:latin typeface="Menlo" panose="020B0609030804020204" pitchFamily="49" charset="0"/>
+              </a:rPr>
+              <a:t>		</a:t>
+            </a:r>
+            <a:r>
+              <a:rPr lang="en-IN" dirty="0" err="1">
+                <a:solidFill>
+                  <a:srgbClr val="000000"/>
+                </a:solidFill>
+                <a:latin typeface="Menlo" panose="020B0609030804020204" pitchFamily="49" charset="0"/>
+              </a:rPr>
+              <a:t>console.error</a:t>
+            </a:r>
+            <a:r>
+              <a:rPr lang="en-IN" dirty="0">
+                <a:solidFill>
+                  <a:srgbClr val="000000"/>
+                </a:solidFill>
+                <a:latin typeface="Menlo" panose="020B0609030804020204" pitchFamily="49" charset="0"/>
+              </a:rPr>
+              <a:t>( error );</a:t>
+            </a:r>
+          </a:p>
+          <a:p>
+            <a:pPr marL="0" indent="0">
+              <a:buNone/>
+            </a:pPr>
+            <a:r>
+              <a:rPr lang="en-IN" dirty="0">
+                <a:solidFill>
+                  <a:srgbClr val="000000"/>
+                </a:solidFill>
+                <a:latin typeface="Menlo" panose="020B0609030804020204" pitchFamily="49" charset="0"/>
+              </a:rPr>
+              <a:t>	}</a:t>
+            </a:r>
+          </a:p>
+          <a:p>
+            <a:pPr marL="0" indent="0">
+              <a:buNone/>
+            </a:pPr>
+            <a:r>
+              <a:rPr lang="en-IN" dirty="0">
+                <a:solidFill>
+                  <a:srgbClr val="000000"/>
+                </a:solidFill>
+                <a:latin typeface="Menlo" panose="020B0609030804020204" pitchFamily="49" charset="0"/>
+              </a:rPr>
+              <a:t>}());</a:t>
+            </a:r>
+          </a:p>
+          <a:p>
+            <a:pPr marL="0" indent="0">
+              <a:buNone/>
+            </a:pPr>
+            <a:endParaRPr lang="en-US" dirty="0"/>
+          </a:p>
+        </p:txBody>
+      </p:sp>
+    </p:spTree>
+    <p:extLst>
+      <p:ext uri="{BB962C8B-B14F-4D97-AF65-F5344CB8AC3E}">
+        <p14:creationId xmlns:p14="http://schemas.microsoft.com/office/powerpoint/2010/main" val="1681879889"/>
+      </p:ext>
+    </p:extLst>
+  </p:cSld>
+  <p:clrMapOvr>
+    <a:masterClrMapping/>
+  </p:clrMapOvr>
+</p:sld>
+</file>
+
+<file path=ppt/slides/slide15.xml><?xml version="1.0" encoding="utf-8"?>
+<p:sld xmlns:a="http://schemas.openxmlformats.org/drawingml/2006/main" xmlns:r="http://schemas.openxmlformats.org/officeDocument/2006/relationships" xmlns:p="http://schemas.openxmlformats.org/presentationml/2006/main">
+  <p:cSld>
+    <p:spTree>
+      <p:nvGrpSpPr>
+        <p:cNvPr id="1" name=""/>
+        <p:cNvGrpSpPr/>
+        <p:nvPr/>
+      </p:nvGrpSpPr>
+      <p:grpSpPr>
+        <a:xfrm>
+          <a:off x="0" y="0"/>
+          <a:ext cx="0" cy="0"/>
+          <a:chOff x="0" y="0"/>
+          <a:chExt cx="0" cy="0"/>
+        </a:xfrm>
+      </p:grpSpPr>
+      <p:sp>
+        <p:nvSpPr>
+          <p:cNvPr id="2" name="Title 1">
+            <a:extLst>
+              <a:ext uri="{FF2B5EF4-FFF2-40B4-BE49-F238E27FC236}">
+                <a16:creationId xmlns:a16="http://schemas.microsoft.com/office/drawing/2014/main" id="{F531E653-B45B-0549-854B-31C2C8796259}"/>
+              </a:ext>
+            </a:extLst>
+          </p:cNvPr>
+          <p:cNvSpPr>
+            <a:spLocks noGrp="1"/>
+          </p:cNvSpPr>
+          <p:nvPr>
+            <p:ph type="title"/>
+          </p:nvPr>
+        </p:nvSpPr>
+        <p:spPr/>
+        <p:txBody>
+          <a:bodyPr/>
+          <a:lstStyle/>
+          <a:p>
+            <a:r>
+              <a:rPr lang="en-US" dirty="0"/>
+              <a:t>await (error thrown)</a:t>
+            </a:r>
+          </a:p>
+        </p:txBody>
+      </p:sp>
+      <p:sp>
+        <p:nvSpPr>
+          <p:cNvPr id="3" name="Content Placeholder 2">
+            <a:extLst>
+              <a:ext uri="{FF2B5EF4-FFF2-40B4-BE49-F238E27FC236}">
+                <a16:creationId xmlns:a16="http://schemas.microsoft.com/office/drawing/2014/main" id="{29C622F4-27F0-FF4A-A2AA-0F4C746CCA59}"/>
+              </a:ext>
+            </a:extLst>
+          </p:cNvPr>
+          <p:cNvSpPr>
+            <a:spLocks noGrp="1"/>
+          </p:cNvSpPr>
+          <p:nvPr>
+            <p:ph idx="1"/>
+          </p:nvPr>
+        </p:nvSpPr>
+        <p:spPr/>
+        <p:txBody>
+          <a:bodyPr>
+            <a:normAutofit fontScale="85000" lnSpcReduction="20000"/>
+          </a:bodyPr>
+          <a:lstStyle/>
+          <a:p>
+            <a:pPr marL="0" indent="0">
+              <a:buNone/>
+            </a:pPr>
+            <a:r>
+              <a:rPr lang="en-IN" dirty="0">
+                <a:solidFill>
+                  <a:srgbClr val="000000"/>
+                </a:solidFill>
+                <a:latin typeface="Menlo" panose="020B0609030804020204" pitchFamily="49" charset="0"/>
+              </a:rPr>
+              <a:t>(</a:t>
+            </a:r>
+            <a:r>
+              <a:rPr lang="en-IN" dirty="0" err="1">
+                <a:solidFill>
+                  <a:srgbClr val="0000FF"/>
+                </a:solidFill>
+                <a:latin typeface="Menlo" panose="020B0609030804020204" pitchFamily="49" charset="0"/>
+              </a:rPr>
+              <a:t>async</a:t>
+            </a:r>
+            <a:r>
+              <a:rPr lang="en-IN" dirty="0">
+                <a:solidFill>
+                  <a:srgbClr val="000000"/>
+                </a:solidFill>
+                <a:latin typeface="Menlo" panose="020B0609030804020204" pitchFamily="49" charset="0"/>
+              </a:rPr>
+              <a:t> </a:t>
+            </a:r>
+            <a:r>
+              <a:rPr lang="en-IN" dirty="0">
+                <a:solidFill>
+                  <a:srgbClr val="0000FF"/>
+                </a:solidFill>
+                <a:latin typeface="Menlo" panose="020B0609030804020204" pitchFamily="49" charset="0"/>
+              </a:rPr>
+              <a:t>function</a:t>
+            </a:r>
+            <a:r>
+              <a:rPr lang="en-IN" dirty="0">
+                <a:solidFill>
+                  <a:srgbClr val="000000"/>
+                </a:solidFill>
+                <a:latin typeface="Menlo" panose="020B0609030804020204" pitchFamily="49" charset="0"/>
+              </a:rPr>
+              <a:t>() {</a:t>
+            </a:r>
+          </a:p>
+          <a:p>
+            <a:pPr marL="0" indent="0">
+              <a:buNone/>
+            </a:pPr>
+            <a:r>
+              <a:rPr lang="en-IN" dirty="0">
+                <a:solidFill>
+                  <a:srgbClr val="0000FF"/>
+                </a:solidFill>
+                <a:latin typeface="Menlo" panose="020B0609030804020204" pitchFamily="49" charset="0"/>
+              </a:rPr>
+              <a:t>	try</a:t>
+            </a:r>
+            <a:r>
+              <a:rPr lang="en-IN" dirty="0">
+                <a:solidFill>
+                  <a:srgbClr val="000000"/>
+                </a:solidFill>
+                <a:latin typeface="Menlo" panose="020B0609030804020204" pitchFamily="49" charset="0"/>
+              </a:rPr>
+              <a:t> {</a:t>
+            </a:r>
+          </a:p>
+          <a:p>
+            <a:pPr marL="0" indent="0">
+              <a:buNone/>
+            </a:pPr>
+            <a:r>
+              <a:rPr lang="en-IN" dirty="0">
+                <a:solidFill>
+                  <a:srgbClr val="0000FF"/>
+                </a:solidFill>
+                <a:latin typeface="Menlo" panose="020B0609030804020204" pitchFamily="49" charset="0"/>
+              </a:rPr>
+              <a:t>		let</a:t>
+            </a:r>
+            <a:r>
+              <a:rPr lang="en-IN" dirty="0">
+                <a:solidFill>
+                  <a:srgbClr val="000000"/>
+                </a:solidFill>
+                <a:latin typeface="Menlo" panose="020B0609030804020204" pitchFamily="49" charset="0"/>
+              </a:rPr>
+              <a:t> result1 = </a:t>
+            </a:r>
+            <a:r>
+              <a:rPr lang="en-IN" dirty="0">
+                <a:solidFill>
+                  <a:srgbClr val="0000FF"/>
+                </a:solidFill>
+                <a:latin typeface="Menlo" panose="020B0609030804020204" pitchFamily="49" charset="0"/>
+              </a:rPr>
+              <a:t>await</a:t>
+            </a:r>
+            <a:r>
+              <a:rPr lang="en-IN" dirty="0">
+                <a:solidFill>
+                  <a:srgbClr val="000000"/>
+                </a:solidFill>
+                <a:latin typeface="Menlo" panose="020B0609030804020204" pitchFamily="49" charset="0"/>
+              </a:rPr>
+              <a:t> </a:t>
+            </a:r>
+            <a:r>
+              <a:rPr lang="en-IN" dirty="0" err="1">
+                <a:solidFill>
+                  <a:srgbClr val="000000"/>
+                </a:solidFill>
+                <a:latin typeface="Menlo" panose="020B0609030804020204" pitchFamily="49" charset="0"/>
+              </a:rPr>
+              <a:t>sumAsync</a:t>
+            </a:r>
+            <a:r>
+              <a:rPr lang="en-IN" dirty="0">
+                <a:solidFill>
+                  <a:srgbClr val="000000"/>
+                </a:solidFill>
+                <a:latin typeface="Menlo" panose="020B0609030804020204" pitchFamily="49" charset="0"/>
+              </a:rPr>
+              <a:t>( </a:t>
+            </a:r>
+            <a:r>
+              <a:rPr lang="en-IN" dirty="0">
+                <a:solidFill>
+                  <a:srgbClr val="09885A"/>
+                </a:solidFill>
+                <a:latin typeface="Menlo" panose="020B0609030804020204" pitchFamily="49" charset="0"/>
+              </a:rPr>
+              <a:t>1</a:t>
+            </a:r>
+            <a:r>
+              <a:rPr lang="en-IN" dirty="0">
+                <a:solidFill>
+                  <a:srgbClr val="000000"/>
+                </a:solidFill>
+                <a:latin typeface="Menlo" panose="020B0609030804020204" pitchFamily="49" charset="0"/>
+              </a:rPr>
+              <a:t>, </a:t>
+            </a:r>
+            <a:r>
+              <a:rPr lang="en-IN" dirty="0">
+                <a:solidFill>
+                  <a:srgbClr val="09885A"/>
+                </a:solidFill>
+                <a:latin typeface="Menlo" panose="020B0609030804020204" pitchFamily="49" charset="0"/>
+              </a:rPr>
+              <a:t>2</a:t>
+            </a:r>
+            <a:r>
+              <a:rPr lang="en-IN" dirty="0">
+                <a:solidFill>
+                  <a:srgbClr val="000000"/>
+                </a:solidFill>
+                <a:latin typeface="Menlo" panose="020B0609030804020204" pitchFamily="49" charset="0"/>
+              </a:rPr>
+              <a:t> );</a:t>
+            </a:r>
+          </a:p>
+          <a:p>
+            <a:pPr marL="0" indent="0">
+              <a:buNone/>
+            </a:pPr>
+            <a:r>
+              <a:rPr lang="en-IN" dirty="0">
+                <a:solidFill>
+                  <a:srgbClr val="0000FF"/>
+                </a:solidFill>
+                <a:latin typeface="Menlo" panose="020B0609030804020204" pitchFamily="49" charset="0"/>
+              </a:rPr>
+              <a:t>		let</a:t>
+            </a:r>
+            <a:r>
+              <a:rPr lang="en-IN" dirty="0">
+                <a:solidFill>
+                  <a:srgbClr val="000000"/>
+                </a:solidFill>
+                <a:latin typeface="Menlo" panose="020B0609030804020204" pitchFamily="49" charset="0"/>
+              </a:rPr>
+              <a:t> result2 = </a:t>
+            </a:r>
+            <a:r>
+              <a:rPr lang="en-IN" dirty="0">
+                <a:solidFill>
+                  <a:srgbClr val="0000FF"/>
+                </a:solidFill>
+                <a:latin typeface="Menlo" panose="020B0609030804020204" pitchFamily="49" charset="0"/>
+              </a:rPr>
+              <a:t>await</a:t>
+            </a:r>
+            <a:r>
+              <a:rPr lang="en-IN" dirty="0">
+                <a:solidFill>
+                  <a:srgbClr val="000000"/>
+                </a:solidFill>
+                <a:latin typeface="Menlo" panose="020B0609030804020204" pitchFamily="49" charset="0"/>
+              </a:rPr>
+              <a:t> </a:t>
+            </a:r>
+            <a:r>
+              <a:rPr lang="en-IN" dirty="0" err="1">
+                <a:solidFill>
+                  <a:srgbClr val="000000"/>
+                </a:solidFill>
+                <a:latin typeface="Menlo" panose="020B0609030804020204" pitchFamily="49" charset="0"/>
+              </a:rPr>
+              <a:t>sumAsync</a:t>
+            </a:r>
+            <a:r>
+              <a:rPr lang="en-IN" dirty="0">
+                <a:solidFill>
+                  <a:srgbClr val="000000"/>
+                </a:solidFill>
+                <a:latin typeface="Menlo" panose="020B0609030804020204" pitchFamily="49" charset="0"/>
+              </a:rPr>
+              <a:t>( result1, </a:t>
+            </a:r>
+            <a:r>
+              <a:rPr lang="en-IN" dirty="0">
+                <a:solidFill>
+                  <a:srgbClr val="A31515"/>
+                </a:solidFill>
+                <a:latin typeface="Menlo" panose="020B0609030804020204" pitchFamily="49" charset="0"/>
+              </a:rPr>
+              <a:t>'hello’ </a:t>
+            </a:r>
+            <a:r>
+              <a:rPr lang="en-IN" dirty="0">
+                <a:solidFill>
+                  <a:srgbClr val="000000"/>
+                </a:solidFill>
+                <a:latin typeface="Menlo" panose="020B0609030804020204" pitchFamily="49" charset="0"/>
+              </a:rPr>
+              <a:t>);</a:t>
+            </a:r>
+          </a:p>
+          <a:p>
+            <a:pPr marL="0" indent="0">
+              <a:buNone/>
+            </a:pPr>
+            <a:r>
+              <a:rPr lang="en-IN" dirty="0">
+                <a:solidFill>
+                  <a:srgbClr val="0000FF"/>
+                </a:solidFill>
+                <a:latin typeface="Menlo" panose="020B0609030804020204" pitchFamily="49" charset="0"/>
+              </a:rPr>
+              <a:t>		let</a:t>
+            </a:r>
+            <a:r>
+              <a:rPr lang="en-IN" dirty="0">
+                <a:solidFill>
+                  <a:srgbClr val="000000"/>
+                </a:solidFill>
+                <a:latin typeface="Menlo" panose="020B0609030804020204" pitchFamily="49" charset="0"/>
+              </a:rPr>
+              <a:t> result3 = </a:t>
+            </a:r>
+            <a:r>
+              <a:rPr lang="en-IN" dirty="0">
+                <a:solidFill>
+                  <a:srgbClr val="0000FF"/>
+                </a:solidFill>
+                <a:latin typeface="Menlo" panose="020B0609030804020204" pitchFamily="49" charset="0"/>
+              </a:rPr>
+              <a:t>await</a:t>
+            </a:r>
+            <a:r>
+              <a:rPr lang="en-IN" dirty="0">
+                <a:solidFill>
+                  <a:srgbClr val="000000"/>
+                </a:solidFill>
+                <a:latin typeface="Menlo" panose="020B0609030804020204" pitchFamily="49" charset="0"/>
+              </a:rPr>
+              <a:t> </a:t>
+            </a:r>
+            <a:r>
+              <a:rPr lang="en-IN" dirty="0" err="1">
+                <a:solidFill>
+                  <a:srgbClr val="000000"/>
+                </a:solidFill>
+                <a:latin typeface="Menlo" panose="020B0609030804020204" pitchFamily="49" charset="0"/>
+              </a:rPr>
+              <a:t>sumAsync</a:t>
+            </a:r>
+            <a:r>
+              <a:rPr lang="en-IN" dirty="0">
+                <a:solidFill>
+                  <a:srgbClr val="000000"/>
+                </a:solidFill>
+                <a:latin typeface="Menlo" panose="020B0609030804020204" pitchFamily="49" charset="0"/>
+              </a:rPr>
+              <a:t>( result2, </a:t>
+            </a:r>
+            <a:r>
+              <a:rPr lang="en-IN" dirty="0">
+                <a:solidFill>
+                  <a:srgbClr val="09885A"/>
+                </a:solidFill>
+                <a:latin typeface="Menlo" panose="020B0609030804020204" pitchFamily="49" charset="0"/>
+              </a:rPr>
+              <a:t>4</a:t>
+            </a:r>
+            <a:r>
+              <a:rPr lang="en-IN" dirty="0">
+                <a:solidFill>
+                  <a:srgbClr val="000000"/>
+                </a:solidFill>
+                <a:latin typeface="Menlo" panose="020B0609030804020204" pitchFamily="49" charset="0"/>
+              </a:rPr>
+              <a:t> );</a:t>
+            </a:r>
+          </a:p>
+          <a:p>
+            <a:pPr marL="0" indent="0">
+              <a:buNone/>
+            </a:pPr>
+            <a:r>
+              <a:rPr lang="en-IN" dirty="0">
+                <a:solidFill>
+                  <a:srgbClr val="000000"/>
+                </a:solidFill>
+                <a:latin typeface="Menlo" panose="020B0609030804020204" pitchFamily="49" charset="0"/>
+              </a:rPr>
+              <a:t>		</a:t>
+            </a:r>
+            <a:r>
+              <a:rPr lang="en-IN" dirty="0" err="1">
+                <a:solidFill>
+                  <a:srgbClr val="000000"/>
+                </a:solidFill>
+                <a:latin typeface="Menlo" panose="020B0609030804020204" pitchFamily="49" charset="0"/>
+              </a:rPr>
+              <a:t>console.log</a:t>
+            </a:r>
+            <a:r>
+              <a:rPr lang="en-IN" dirty="0">
+                <a:solidFill>
+                  <a:srgbClr val="000000"/>
+                </a:solidFill>
+                <a:latin typeface="Menlo" panose="020B0609030804020204" pitchFamily="49" charset="0"/>
+              </a:rPr>
+              <a:t>( result3 );</a:t>
+            </a:r>
+          </a:p>
+          <a:p>
+            <a:pPr marL="0" indent="0">
+              <a:buNone/>
+            </a:pPr>
+            <a:r>
+              <a:rPr lang="en-IN" dirty="0">
+                <a:solidFill>
+                  <a:srgbClr val="000000"/>
+                </a:solidFill>
+                <a:latin typeface="Menlo" panose="020B0609030804020204" pitchFamily="49" charset="0"/>
+              </a:rPr>
+              <a:t>	} </a:t>
+            </a:r>
+            <a:r>
+              <a:rPr lang="en-IN" dirty="0">
+                <a:solidFill>
+                  <a:srgbClr val="0000FF"/>
+                </a:solidFill>
+                <a:latin typeface="Menlo" panose="020B0609030804020204" pitchFamily="49" charset="0"/>
+              </a:rPr>
+              <a:t>catch</a:t>
+            </a:r>
+            <a:r>
+              <a:rPr lang="en-IN" dirty="0">
+                <a:solidFill>
+                  <a:srgbClr val="000000"/>
+                </a:solidFill>
+                <a:latin typeface="Menlo" panose="020B0609030804020204" pitchFamily="49" charset="0"/>
+              </a:rPr>
+              <a:t>( error ) {</a:t>
+            </a:r>
+          </a:p>
+          <a:p>
+            <a:pPr marL="0" indent="0">
+              <a:buNone/>
+            </a:pPr>
+            <a:r>
+              <a:rPr lang="en-IN" dirty="0">
+                <a:solidFill>
+                  <a:srgbClr val="000000"/>
+                </a:solidFill>
+                <a:latin typeface="Menlo" panose="020B0609030804020204" pitchFamily="49" charset="0"/>
+              </a:rPr>
+              <a:t>		</a:t>
+            </a:r>
+            <a:r>
+              <a:rPr lang="en-IN" dirty="0" err="1">
+                <a:solidFill>
+                  <a:srgbClr val="000000"/>
+                </a:solidFill>
+                <a:latin typeface="Menlo" panose="020B0609030804020204" pitchFamily="49" charset="0"/>
+              </a:rPr>
+              <a:t>console.error</a:t>
+            </a:r>
+            <a:r>
+              <a:rPr lang="en-IN" dirty="0">
+                <a:solidFill>
+                  <a:srgbClr val="000000"/>
+                </a:solidFill>
+                <a:latin typeface="Menlo" panose="020B0609030804020204" pitchFamily="49" charset="0"/>
+              </a:rPr>
+              <a:t>( error );</a:t>
+            </a:r>
+          </a:p>
+          <a:p>
+            <a:pPr marL="0" indent="0">
+              <a:buNone/>
+            </a:pPr>
+            <a:r>
+              <a:rPr lang="en-IN" dirty="0">
+                <a:solidFill>
+                  <a:srgbClr val="000000"/>
+                </a:solidFill>
+                <a:latin typeface="Menlo" panose="020B0609030804020204" pitchFamily="49" charset="0"/>
+              </a:rPr>
+              <a:t>	}</a:t>
+            </a:r>
+          </a:p>
+          <a:p>
+            <a:pPr marL="0" indent="0">
+              <a:buNone/>
+            </a:pPr>
+            <a:r>
+              <a:rPr lang="en-IN" dirty="0">
+                <a:solidFill>
+                  <a:srgbClr val="000000"/>
+                </a:solidFill>
+                <a:latin typeface="Menlo" panose="020B0609030804020204" pitchFamily="49" charset="0"/>
+              </a:rPr>
+              <a:t>}());</a:t>
+            </a:r>
+          </a:p>
+          <a:p>
+            <a:pPr marL="0" indent="0">
+              <a:buNone/>
+            </a:pPr>
+            <a:endParaRPr lang="en-US" dirty="0"/>
+          </a:p>
+        </p:txBody>
+      </p:sp>
+    </p:spTree>
+    <p:extLst>
+      <p:ext uri="{BB962C8B-B14F-4D97-AF65-F5344CB8AC3E}">
+        <p14:creationId xmlns:p14="http://schemas.microsoft.com/office/powerpoint/2010/main" val="1277546296"/>
+      </p:ext>
+    </p:extLst>
+  </p:cSld>
+  <p:clrMapOvr>
+    <a:masterClrMapping/>
+  </p:clrMapOvr>
+</p:sld>
+</file>
+
+<file path=ppt/slides/slide16.xml><?xml version="1.0" encoding="utf-8"?>
+<p:sld xmlns:a="http://schemas.openxmlformats.org/drawingml/2006/main" xmlns:r="http://schemas.openxmlformats.org/officeDocument/2006/relationships" xmlns:p="http://schemas.openxmlformats.org/presentationml/2006/main">
+  <p:cSld>
+    <p:spTree>
+      <p:nvGrpSpPr>
+        <p:cNvPr id="1" name=""/>
+        <p:cNvGrpSpPr/>
+        <p:nvPr/>
+      </p:nvGrpSpPr>
+      <p:grpSpPr>
+        <a:xfrm>
+          <a:off x="0" y="0"/>
+          <a:ext cx="0" cy="0"/>
+          <a:chOff x="0" y="0"/>
+          <a:chExt cx="0" cy="0"/>
+        </a:xfrm>
+      </p:grpSpPr>
+      <p:sp>
+        <p:nvSpPr>
+          <p:cNvPr id="2" name="Title 1">
+            <a:extLst>
+              <a:ext uri="{FF2B5EF4-FFF2-40B4-BE49-F238E27FC236}">
+                <a16:creationId xmlns:a16="http://schemas.microsoft.com/office/drawing/2014/main" id="{0B9CBADB-7DBE-224A-ADED-0A38BA475AD9}"/>
+              </a:ext>
+            </a:extLst>
+          </p:cNvPr>
+          <p:cNvSpPr>
+            <a:spLocks noGrp="1"/>
+          </p:cNvSpPr>
+          <p:nvPr>
+            <p:ph type="ctrTitle"/>
+          </p:nvPr>
+        </p:nvSpPr>
+        <p:spPr>
+          <a:xfrm>
+            <a:off x="1915121" y="1454885"/>
+            <a:ext cx="8361229" cy="2098226"/>
+          </a:xfrm>
+        </p:spPr>
+        <p:txBody>
+          <a:bodyPr/>
+          <a:lstStyle/>
+          <a:p>
+            <a:r>
+              <a:rPr lang="en-US" dirty="0"/>
+              <a:t>Thank You!</a:t>
+            </a:r>
+          </a:p>
+        </p:txBody>
+      </p:sp>
+      <p:sp>
+        <p:nvSpPr>
+          <p:cNvPr id="3" name="Subtitle 2">
+            <a:extLst>
+              <a:ext uri="{FF2B5EF4-FFF2-40B4-BE49-F238E27FC236}">
+                <a16:creationId xmlns:a16="http://schemas.microsoft.com/office/drawing/2014/main" id="{59CCEF0F-140C-374B-9668-DB6E1C2A8769}"/>
+              </a:ext>
+            </a:extLst>
+          </p:cNvPr>
+          <p:cNvSpPr>
+            <a:spLocks noGrp="1"/>
+          </p:cNvSpPr>
+          <p:nvPr>
+            <p:ph type="subTitle" idx="1"/>
+          </p:nvPr>
+        </p:nvSpPr>
+        <p:spPr>
+          <a:xfrm>
+            <a:off x="2679898" y="3654711"/>
+            <a:ext cx="6831673" cy="1086237"/>
+          </a:xfrm>
+        </p:spPr>
+        <p:txBody>
+          <a:bodyPr/>
+          <a:lstStyle/>
+          <a:p>
+            <a:r>
+              <a:rPr lang="en-US" dirty="0"/>
+              <a:t>Questions are welcome</a:t>
+            </a:r>
+          </a:p>
+        </p:txBody>
+      </p:sp>
+    </p:spTree>
+    <p:extLst>
+      <p:ext uri="{BB962C8B-B14F-4D97-AF65-F5344CB8AC3E}">
+        <p14:creationId xmlns:p14="http://schemas.microsoft.com/office/powerpoint/2010/main" val="782661242"/>
+      </p:ext>
+    </p:extLst>
+  </p:cSld>
+  <p:clrMapOvr>
+    <a:masterClrMapping/>
+  </p:clrMapOvr>
+</p:sld>
+</file>
+
+<file path=ppt/slides/slide17.xml><?xml version="1.0" encoding="utf-8"?>
+<p:sld xmlns:a="http://schemas.openxmlformats.org/drawingml/2006/main" xmlns:r="http://schemas.openxmlformats.org/officeDocument/2006/relationships" xmlns:p="http://schemas.openxmlformats.org/presentationml/2006/main">
+  <p:cSld>
+    <p:spTree>
+      <p:nvGrpSpPr>
+        <p:cNvPr id="1" name=""/>
+        <p:cNvGrpSpPr/>
+        <p:nvPr/>
+      </p:nvGrpSpPr>
+      <p:grpSpPr>
+        <a:xfrm>
+          <a:off x="0" y="0"/>
+          <a:ext cx="0" cy="0"/>
+          <a:chOff x="0" y="0"/>
+          <a:chExt cx="0" cy="0"/>
+        </a:xfrm>
+      </p:grpSpPr>
+      <p:sp>
+        <p:nvSpPr>
+          <p:cNvPr id="2" name="Title 1">
+            <a:extLst>
+              <a:ext uri="{FF2B5EF4-FFF2-40B4-BE49-F238E27FC236}">
+                <a16:creationId xmlns:a16="http://schemas.microsoft.com/office/drawing/2014/main" id="{A8DB91FF-3597-C845-9275-AFA6F3E98C78}"/>
+              </a:ext>
+            </a:extLst>
+          </p:cNvPr>
+          <p:cNvSpPr>
+            <a:spLocks noGrp="1"/>
+          </p:cNvSpPr>
+          <p:nvPr>
+            <p:ph type="title"/>
+          </p:nvPr>
+        </p:nvSpPr>
+        <p:spPr>
+          <a:xfrm>
+            <a:off x="1371600" y="685799"/>
+            <a:ext cx="9601200" cy="5482525"/>
+          </a:xfrm>
+        </p:spPr>
+        <p:txBody>
+          <a:bodyPr/>
+          <a:lstStyle/>
+          <a:p>
+            <a:pPr algn="ctr"/>
+            <a:br>
+              <a:rPr lang="en-US" dirty="0"/>
+            </a:br>
+            <a:br>
+              <a:rPr lang="en-US" dirty="0"/>
+            </a:br>
+            <a:br>
+              <a:rPr lang="en-US" dirty="0"/>
+            </a:br>
+            <a:br>
+              <a:rPr lang="en-US" dirty="0"/>
+            </a:br>
+            <a:r>
+              <a:rPr lang="en-US" dirty="0"/>
+              <a:t>More you can explore…</a:t>
+            </a:r>
+          </a:p>
+        </p:txBody>
+      </p:sp>
+    </p:spTree>
+    <p:extLst>
+      <p:ext uri="{BB962C8B-B14F-4D97-AF65-F5344CB8AC3E}">
+        <p14:creationId xmlns:p14="http://schemas.microsoft.com/office/powerpoint/2010/main" val="1995549122"/>
+      </p:ext>
+    </p:extLst>
+  </p:cSld>
+  <p:clrMapOvr>
+    <a:masterClrMapping/>
+  </p:clrMapOvr>
+</p:sld>
+</file>
+
+<file path=ppt/slides/slide18.xml><?xml version="1.0" encoding="utf-8"?>
+<p:sld xmlns:a="http://schemas.openxmlformats.org/drawingml/2006/main" xmlns:r="http://schemas.openxmlformats.org/officeDocument/2006/relationships" xmlns:p="http://schemas.openxmlformats.org/presentationml/2006/main">
+  <p:cSld>
+    <p:spTree>
+      <p:nvGrpSpPr>
+        <p:cNvPr id="1" name=""/>
+        <p:cNvGrpSpPr/>
+        <p:nvPr/>
+      </p:nvGrpSpPr>
+      <p:grpSpPr>
+        <a:xfrm>
+          <a:off x="0" y="0"/>
+          <a:ext cx="0" cy="0"/>
+          <a:chOff x="0" y="0"/>
+          <a:chExt cx="0" cy="0"/>
+        </a:xfrm>
+      </p:grpSpPr>
+      <p:sp>
+        <p:nvSpPr>
+          <p:cNvPr id="2" name="Title 1">
+            <a:extLst>
+              <a:ext uri="{FF2B5EF4-FFF2-40B4-BE49-F238E27FC236}">
                 <a16:creationId xmlns:a16="http://schemas.microsoft.com/office/drawing/2014/main" id="{387E6026-6F5D-1A4F-A2E7-589F94B3380F}"/>
               </a:ext>
             </a:extLst>
@@ -5089,7 +6958,7 @@
 </p:sld>
 </file>
 
-<file path=ppt/slides/slide15.xml><?xml version="1.0" encoding="utf-8"?>
+<file path=ppt/slides/slide19.xml><?xml version="1.0" encoding="utf-8"?>
 <p:sld xmlns:a="http://schemas.openxmlformats.org/drawingml/2006/main" xmlns:r="http://schemas.openxmlformats.org/officeDocument/2006/relationships" xmlns:p="http://schemas.openxmlformats.org/presentationml/2006/main">
   <p:cSld>
     <p:spTree>
@@ -5507,6 +7376,82 @@
           <p:cNvPr id="2" name="Title 1">
             <a:extLst>
               <a:ext uri="{FF2B5EF4-FFF2-40B4-BE49-F238E27FC236}">
+                <a16:creationId xmlns:a16="http://schemas.microsoft.com/office/drawing/2014/main" id="{A8DB91FF-3597-C845-9275-AFA6F3E98C78}"/>
+              </a:ext>
+            </a:extLst>
+          </p:cNvPr>
+          <p:cNvSpPr>
+            <a:spLocks noGrp="1"/>
+          </p:cNvSpPr>
+          <p:nvPr>
+            <p:ph type="title"/>
+          </p:nvPr>
+        </p:nvSpPr>
+        <p:spPr>
+          <a:xfrm>
+            <a:off x="1371600" y="685799"/>
+            <a:ext cx="9601200" cy="5482525"/>
+          </a:xfrm>
+        </p:spPr>
+        <p:txBody>
+          <a:bodyPr/>
+          <a:lstStyle/>
+          <a:p>
+            <a:pPr algn="ctr"/>
+            <a:br>
+              <a:rPr lang="en-US" dirty="0"/>
+            </a:br>
+            <a:br>
+              <a:rPr lang="en-US" dirty="0"/>
+            </a:br>
+            <a:br>
+              <a:rPr lang="en-US" dirty="0"/>
+            </a:br>
+            <a:br>
+              <a:rPr lang="en-US" dirty="0"/>
+            </a:br>
+            <a:r>
+              <a:rPr lang="en-US" dirty="0"/>
+              <a:t>Drawback of Callback</a:t>
+            </a:r>
+          </a:p>
+        </p:txBody>
+      </p:sp>
+    </p:spTree>
+    <p:extLst>
+      <p:ext uri="{BB962C8B-B14F-4D97-AF65-F5344CB8AC3E}">
+        <p14:creationId xmlns:p14="http://schemas.microsoft.com/office/powerpoint/2010/main" val="2306384242"/>
+      </p:ext>
+    </p:extLst>
+  </p:cSld>
+  <p:clrMapOvr>
+    <a:masterClrMapping/>
+  </p:clrMapOvr>
+</p:sld>
+</file>
+
+<file path=ppt/slides/slide20.xml><?xml version="1.0" encoding="utf-8"?>
+<p:sld xmlns:a="http://schemas.openxmlformats.org/drawingml/2006/main" xmlns:r="http://schemas.openxmlformats.org/officeDocument/2006/relationships" xmlns:p="http://schemas.openxmlformats.org/presentationml/2006/main">
+  <p:cSld>
+    <p:spTree>
+      <p:nvGrpSpPr>
+        <p:cNvPr id="1" name=""/>
+        <p:cNvGrpSpPr/>
+        <p:nvPr/>
+      </p:nvGrpSpPr>
+      <p:grpSpPr>
+        <a:xfrm>
+          <a:off x="0" y="0"/>
+          <a:ext cx="0" cy="0"/>
+          <a:chOff x="0" y="0"/>
+          <a:chExt cx="0" cy="0"/>
+        </a:xfrm>
+      </p:grpSpPr>
+      <p:sp>
+        <p:nvSpPr>
+          <p:cNvPr id="2" name="Title 1">
+            <a:extLst>
+              <a:ext uri="{FF2B5EF4-FFF2-40B4-BE49-F238E27FC236}">
                 <a16:creationId xmlns:a16="http://schemas.microsoft.com/office/drawing/2014/main" id="{148430E8-46FC-4147-9935-BCE514E94B54}"/>
               </a:ext>
             </a:extLst>
@@ -5625,7 +7570,7 @@
           <p:cNvPr id="2" name="Title 1">
             <a:extLst>
               <a:ext uri="{FF2B5EF4-FFF2-40B4-BE49-F238E27FC236}">
-                <a16:creationId xmlns:a16="http://schemas.microsoft.com/office/drawing/2014/main" id="{A8DB91FF-3597-C845-9275-AFA6F3E98C78}"/>
+                <a16:creationId xmlns:a16="http://schemas.microsoft.com/office/drawing/2014/main" id="{AFF30662-C574-F440-8109-C0719743B79E}"/>
               </a:ext>
             </a:extLst>
           </p:cNvPr>
@@ -5636,40 +7581,117 @@
             <p:ph type="title"/>
           </p:nvPr>
         </p:nvSpPr>
+        <p:spPr/>
+        <p:txBody>
+          <a:bodyPr/>
+          <a:lstStyle/>
+          <a:p>
+            <a:r>
+              <a:rPr lang="en-US" dirty="0"/>
+              <a:t>Drawback of Callback</a:t>
+            </a:r>
+          </a:p>
+        </p:txBody>
+      </p:sp>
+      <p:sp>
+        <p:nvSpPr>
+          <p:cNvPr id="3" name="Content Placeholder 2">
+            <a:extLst>
+              <a:ext uri="{FF2B5EF4-FFF2-40B4-BE49-F238E27FC236}">
+                <a16:creationId xmlns:a16="http://schemas.microsoft.com/office/drawing/2014/main" id="{8A615A18-32BD-9942-A43B-9AA5FC649843}"/>
+              </a:ext>
+            </a:extLst>
+          </p:cNvPr>
+          <p:cNvSpPr>
+            <a:spLocks noGrp="1"/>
+          </p:cNvSpPr>
+          <p:nvPr>
+            <p:ph idx="1"/>
+          </p:nvPr>
+        </p:nvSpPr>
         <p:spPr>
           <a:xfrm>
-            <a:off x="1371600" y="685799"/>
-            <a:ext cx="9601200" cy="5482525"/>
+            <a:off x="1371600" y="2286000"/>
+            <a:ext cx="9601200" cy="4232366"/>
           </a:xfrm>
         </p:spPr>
         <p:txBody>
-          <a:bodyPr/>
+          <a:bodyPr>
+            <a:normAutofit/>
+          </a:bodyPr>
           <a:lstStyle/>
           <a:p>
-            <a:pPr algn="ctr"/>
-            <a:br>
-              <a:rPr lang="en-US" dirty="0"/>
-            </a:br>
-            <a:br>
-              <a:rPr lang="en-US" dirty="0"/>
-            </a:br>
-            <a:br>
-              <a:rPr lang="en-US" dirty="0"/>
-            </a:br>
-            <a:br>
-              <a:rPr lang="en-US" dirty="0"/>
-            </a:br>
-            <a:r>
-              <a:rPr lang="en-US" dirty="0"/>
-              <a:t>Drawback of Callback</a:t>
-            </a:r>
+            <a:r>
+              <a:rPr lang="en-IN" dirty="0"/>
+              <a:t>Serial Async operations result in u</a:t>
+            </a:r>
+            <a:r>
+              <a:rPr lang="en-IN" i="0" dirty="0"/>
+              <a:t>nreadable code</a:t>
+            </a:r>
+          </a:p>
+          <a:p>
+            <a:pPr lvl="1"/>
+            <a:r>
+              <a:rPr lang="en-IN" i="0" dirty="0"/>
+              <a:t>Called the Christmas Tree or Callback Hell</a:t>
+            </a:r>
+          </a:p>
+          <a:p>
+            <a:r>
+              <a:rPr lang="en-IN" i="0" dirty="0"/>
+              <a:t>Callback </a:t>
+            </a:r>
+            <a:r>
+              <a:rPr lang="en-IN" dirty="0"/>
+              <a:t>function is essentially handed over to 3</a:t>
+            </a:r>
+            <a:r>
+              <a:rPr lang="en-IN" baseline="30000" dirty="0"/>
+              <a:t>rd</a:t>
+            </a:r>
+            <a:r>
+              <a:rPr lang="en-IN" dirty="0"/>
+              <a:t> party APIs</a:t>
+            </a:r>
+          </a:p>
+          <a:p>
+            <a:pPr lvl="1"/>
+            <a:r>
+              <a:rPr lang="en-IN" i="0" dirty="0"/>
+              <a:t>Security risk</a:t>
+            </a:r>
+          </a:p>
+          <a:p>
+            <a:r>
+              <a:rPr lang="en-IN" dirty="0"/>
+              <a:t>Synchronizing multiple asynchronous operations is not easy</a:t>
+            </a:r>
+          </a:p>
+          <a:p>
+            <a:pPr lvl="1"/>
+            <a:r>
+              <a:rPr lang="en-IN" i="0" dirty="0"/>
+              <a:t>Carrying out concurrent async operations, and working with results once all of them complete</a:t>
+            </a:r>
+          </a:p>
+          <a:p>
+            <a:pPr lvl="1"/>
+            <a:r>
+              <a:rPr lang="en-IN" i="0" dirty="0"/>
+              <a:t>Carrying out serial async operations, usually where one utilizes the result of the previous async operations</a:t>
+            </a:r>
+          </a:p>
+          <a:p>
+            <a:pPr lvl="1"/>
+            <a:endParaRPr lang="en-IN" b="1" i="0" dirty="0"/>
           </a:p>
         </p:txBody>
       </p:sp>
     </p:spTree>
     <p:extLst>
       <p:ext uri="{BB962C8B-B14F-4D97-AF65-F5344CB8AC3E}">
-        <p14:creationId xmlns:p14="http://schemas.microsoft.com/office/powerpoint/2010/main" val="2306384242"/>
+        <p14:creationId xmlns:p14="http://schemas.microsoft.com/office/powerpoint/2010/main" val="280717808"/>
       </p:ext>
     </p:extLst>
   </p:cSld>
@@ -5701,7 +7723,7 @@
           <p:cNvPr id="2" name="Title 1">
             <a:extLst>
               <a:ext uri="{FF2B5EF4-FFF2-40B4-BE49-F238E27FC236}">
-                <a16:creationId xmlns:a16="http://schemas.microsoft.com/office/drawing/2014/main" id="{AFF30662-C574-F440-8109-C0719743B79E}"/>
+                <a16:creationId xmlns:a16="http://schemas.microsoft.com/office/drawing/2014/main" id="{A8DB91FF-3597-C845-9275-AFA6F3E98C78}"/>
               </a:ext>
             </a:extLst>
           </p:cNvPr>
@@ -5712,117 +7734,40 @@
             <p:ph type="title"/>
           </p:nvPr>
         </p:nvSpPr>
-        <p:spPr/>
+        <p:spPr>
+          <a:xfrm>
+            <a:off x="1371600" y="685799"/>
+            <a:ext cx="9601200" cy="5482525"/>
+          </a:xfrm>
+        </p:spPr>
         <p:txBody>
           <a:bodyPr/>
           <a:lstStyle/>
           <a:p>
-            <a:r>
-              <a:rPr lang="en-US" dirty="0"/>
-              <a:t>Drawback of Callback</a:t>
-            </a:r>
-          </a:p>
-        </p:txBody>
-      </p:sp>
-      <p:sp>
-        <p:nvSpPr>
-          <p:cNvPr id="3" name="Content Placeholder 2">
-            <a:extLst>
-              <a:ext uri="{FF2B5EF4-FFF2-40B4-BE49-F238E27FC236}">
-                <a16:creationId xmlns:a16="http://schemas.microsoft.com/office/drawing/2014/main" id="{8A615A18-32BD-9942-A43B-9AA5FC649843}"/>
-              </a:ext>
-            </a:extLst>
-          </p:cNvPr>
-          <p:cNvSpPr>
-            <a:spLocks noGrp="1"/>
-          </p:cNvSpPr>
-          <p:nvPr>
-            <p:ph idx="1"/>
-          </p:nvPr>
-        </p:nvSpPr>
-        <p:spPr>
-          <a:xfrm>
-            <a:off x="1371600" y="2286000"/>
-            <a:ext cx="9601200" cy="4232366"/>
-          </a:xfrm>
-        </p:spPr>
-        <p:txBody>
-          <a:bodyPr>
-            <a:normAutofit/>
-          </a:bodyPr>
-          <a:lstStyle/>
-          <a:p>
-            <a:r>
-              <a:rPr lang="en-IN" dirty="0"/>
-              <a:t>Serial Async operations result in u</a:t>
-            </a:r>
-            <a:r>
-              <a:rPr lang="en-IN" i="0" dirty="0"/>
-              <a:t>nreadable code</a:t>
-            </a:r>
-          </a:p>
-          <a:p>
-            <a:pPr lvl="1"/>
-            <a:r>
-              <a:rPr lang="en-IN" i="0" dirty="0"/>
-              <a:t>Called the Christmas Tree or Callback Hell</a:t>
-            </a:r>
-          </a:p>
-          <a:p>
-            <a:r>
-              <a:rPr lang="en-IN" i="0" dirty="0"/>
-              <a:t>Callback </a:t>
-            </a:r>
-            <a:r>
-              <a:rPr lang="en-IN" dirty="0"/>
-              <a:t>function is essentially handed over to 3</a:t>
-            </a:r>
-            <a:r>
-              <a:rPr lang="en-IN" baseline="30000" dirty="0"/>
-              <a:t>rd</a:t>
-            </a:r>
-            <a:r>
-              <a:rPr lang="en-IN" dirty="0"/>
-              <a:t> party APIs</a:t>
-            </a:r>
-          </a:p>
-          <a:p>
-            <a:pPr lvl="1"/>
-            <a:r>
-              <a:rPr lang="en-IN" i="0" dirty="0"/>
-              <a:t>Security risk</a:t>
-            </a:r>
-          </a:p>
-          <a:p>
-            <a:r>
-              <a:rPr lang="en-IN" dirty="0"/>
-              <a:t>Synchronizing multiple asynchronous operations is not easy</a:t>
-            </a:r>
-          </a:p>
-          <a:p>
-            <a:pPr lvl="1"/>
-            <a:r>
-              <a:rPr lang="en-IN" i="0" dirty="0"/>
-              <a:t>Carrying out concurrent async operations, and working with results once all of them complete</a:t>
-            </a:r>
-          </a:p>
-          <a:p>
-            <a:pPr lvl="1"/>
-            <a:r>
-              <a:rPr lang="en-IN" i="0" dirty="0"/>
-              <a:t>Carrying out serial async operations, usually where one utilizes the result of the previous async operations</a:t>
-            </a:r>
-          </a:p>
-          <a:p>
-            <a:pPr lvl="1"/>
-            <a:endParaRPr lang="en-IN" b="1" i="0" dirty="0"/>
+            <a:pPr algn="ctr"/>
+            <a:br>
+              <a:rPr lang="en-US" dirty="0"/>
+            </a:br>
+            <a:br>
+              <a:rPr lang="en-US" dirty="0"/>
+            </a:br>
+            <a:br>
+              <a:rPr lang="en-US" dirty="0"/>
+            </a:br>
+            <a:br>
+              <a:rPr lang="en-US" dirty="0"/>
+            </a:br>
+            <a:r>
+              <a:rPr lang="en-US" dirty="0"/>
+              <a:t>Promises</a:t>
+            </a:r>
           </a:p>
         </p:txBody>
       </p:sp>
     </p:spTree>
     <p:extLst>
       <p:ext uri="{BB962C8B-B14F-4D97-AF65-F5344CB8AC3E}">
-        <p14:creationId xmlns:p14="http://schemas.microsoft.com/office/powerpoint/2010/main" val="280717808"/>
+        <p14:creationId xmlns:p14="http://schemas.microsoft.com/office/powerpoint/2010/main" val="1355078158"/>
       </p:ext>
     </p:extLst>
   </p:cSld>
@@ -5854,7 +7799,7 @@
           <p:cNvPr id="2" name="Title 1">
             <a:extLst>
               <a:ext uri="{FF2B5EF4-FFF2-40B4-BE49-F238E27FC236}">
-                <a16:creationId xmlns:a16="http://schemas.microsoft.com/office/drawing/2014/main" id="{A8DB91FF-3597-C845-9275-AFA6F3E98C78}"/>
+                <a16:creationId xmlns:a16="http://schemas.microsoft.com/office/drawing/2014/main" id="{16B72456-7248-494A-9C8B-A68C289AC162}"/>
               </a:ext>
             </a:extLst>
           </p:cNvPr>
@@ -5865,40 +7810,116 @@
             <p:ph type="title"/>
           </p:nvPr>
         </p:nvSpPr>
-        <p:spPr>
-          <a:xfrm>
-            <a:off x="1371600" y="685799"/>
-            <a:ext cx="9601200" cy="5482525"/>
-          </a:xfrm>
-        </p:spPr>
+        <p:spPr/>
         <p:txBody>
           <a:bodyPr/>
           <a:lstStyle/>
           <a:p>
-            <a:pPr algn="ctr"/>
-            <a:br>
-              <a:rPr lang="en-US" dirty="0"/>
-            </a:br>
-            <a:br>
-              <a:rPr lang="en-US" dirty="0"/>
-            </a:br>
-            <a:br>
-              <a:rPr lang="en-US" dirty="0"/>
-            </a:br>
-            <a:br>
-              <a:rPr lang="en-US" dirty="0"/>
-            </a:br>
-            <a:r>
-              <a:rPr lang="en-US" dirty="0"/>
-              <a:t>Promises</a:t>
-            </a:r>
+            <a:r>
+              <a:rPr lang="en-US" dirty="0"/>
+              <a:t>What is a Promise?</a:t>
+            </a:r>
+          </a:p>
+        </p:txBody>
+      </p:sp>
+      <p:sp>
+        <p:nvSpPr>
+          <p:cNvPr id="3" name="Content Placeholder 2">
+            <a:extLst>
+              <a:ext uri="{FF2B5EF4-FFF2-40B4-BE49-F238E27FC236}">
+                <a16:creationId xmlns:a16="http://schemas.microsoft.com/office/drawing/2014/main" id="{80B30473-6F11-5442-AC6E-0EAEFCC2F6E7}"/>
+              </a:ext>
+            </a:extLst>
+          </p:cNvPr>
+          <p:cNvSpPr>
+            <a:spLocks noGrp="1"/>
+          </p:cNvSpPr>
+          <p:nvPr>
+            <p:ph idx="1"/>
+          </p:nvPr>
+        </p:nvSpPr>
+        <p:spPr/>
+        <p:txBody>
+          <a:bodyPr/>
+          <a:lstStyle/>
+          <a:p>
+            <a:r>
+              <a:rPr lang="en-US" dirty="0"/>
+              <a:t>Promise is an in-built class in ES2015</a:t>
+            </a:r>
+          </a:p>
+          <a:p>
+            <a:r>
+              <a:rPr lang="en-US" dirty="0"/>
+              <a:t>Acts as mediator between code that requires result of an </a:t>
+            </a:r>
+            <a:r>
+              <a:rPr lang="en-US" dirty="0" err="1"/>
+              <a:t>async</a:t>
+            </a:r>
+            <a:r>
+              <a:rPr lang="en-US" dirty="0"/>
+              <a:t> operation and code that performs an </a:t>
+            </a:r>
+            <a:r>
+              <a:rPr lang="en-US" dirty="0" err="1"/>
+              <a:t>async</a:t>
+            </a:r>
+            <a:r>
+              <a:rPr lang="en-US" dirty="0"/>
+              <a:t> operation</a:t>
+            </a:r>
+          </a:p>
+          <a:p>
+            <a:r>
+              <a:rPr lang="en-US" dirty="0"/>
+              <a:t>Has constructs and an API that simplifies synchronization of multiple </a:t>
+            </a:r>
+            <a:r>
+              <a:rPr lang="en-US" dirty="0" err="1"/>
+              <a:t>async</a:t>
+            </a:r>
+            <a:r>
+              <a:rPr lang="en-US" dirty="0"/>
+              <a:t> tasks</a:t>
+            </a:r>
+          </a:p>
+          <a:p>
+            <a:r>
+              <a:rPr lang="en-US" dirty="0"/>
+              <a:t>Flow of code is clearer</a:t>
+            </a:r>
+          </a:p>
+          <a:p>
+            <a:r>
+              <a:rPr lang="en-US" dirty="0"/>
+              <a:t>More secure than using callbacks as your code is not passed to a 3</a:t>
+            </a:r>
+            <a:r>
+              <a:rPr lang="en-US" baseline="30000" dirty="0"/>
+              <a:t>rd</a:t>
+            </a:r>
+            <a:r>
+              <a:rPr lang="en-US" dirty="0"/>
+              <a:t> party API</a:t>
+            </a:r>
+          </a:p>
+          <a:p>
+            <a:pPr lvl="1"/>
+            <a:r>
+              <a:rPr lang="en-US" i="0" dirty="0"/>
+              <a:t>Rather communication is via promises</a:t>
+            </a:r>
+          </a:p>
+          <a:p>
+            <a:endParaRPr lang="en-US" dirty="0"/>
           </a:p>
         </p:txBody>
       </p:sp>
     </p:spTree>
     <p:extLst>
       <p:ext uri="{BB962C8B-B14F-4D97-AF65-F5344CB8AC3E}">
-        <p14:creationId xmlns:p14="http://schemas.microsoft.com/office/powerpoint/2010/main" val="1355078158"/>
+        <p14:creationId xmlns:p14="http://schemas.microsoft.com/office/powerpoint/2010/main" val="294193254"/>
       </p:ext>
     </p:extLst>
   </p:cSld>
@@ -5930,7 +7951,7 @@
           <p:cNvPr id="2" name="Title 1">
             <a:extLst>
               <a:ext uri="{FF2B5EF4-FFF2-40B4-BE49-F238E27FC236}">
-                <a16:creationId xmlns:a16="http://schemas.microsoft.com/office/drawing/2014/main" id="{16B72456-7248-494A-9C8B-A68C289AC162}"/>
+                <a16:creationId xmlns:a16="http://schemas.microsoft.com/office/drawing/2014/main" id="{F9D6CFDD-7E37-D044-A877-D828E4A2DA28}"/>
               </a:ext>
             </a:extLst>
           </p:cNvPr>
@@ -5948,7 +7969,7 @@
           <a:p>
             <a:r>
               <a:rPr lang="en-US" dirty="0"/>
-              <a:t>What is a Promise?</a:t>
+              <a:t>Promise – An analogy</a:t>
             </a:r>
           </a:p>
         </p:txBody>
@@ -5958,7 +7979,7 @@
           <p:cNvPr id="3" name="Content Placeholder 2">
             <a:extLst>
               <a:ext uri="{FF2B5EF4-FFF2-40B4-BE49-F238E27FC236}">
-                <a16:creationId xmlns:a16="http://schemas.microsoft.com/office/drawing/2014/main" id="{80B30473-6F11-5442-AC6E-0EAEFCC2F6E7}"/>
+                <a16:creationId xmlns:a16="http://schemas.microsoft.com/office/drawing/2014/main" id="{1CBC7B9F-7BC3-D148-A363-306E6EB827E3}"/>
               </a:ext>
             </a:extLst>
           </p:cNvPr>
@@ -5976,81 +7997,85 @@
           <a:p>
             <a:r>
               <a:rPr lang="en-US" dirty="0"/>
-              <a:t>Promise is an in-built class in ES2015</a:t>
-            </a:r>
-          </a:p>
-          <a:p>
-            <a:r>
-              <a:rPr lang="en-US" dirty="0"/>
-              <a:t>Acts as mediator between code that requires result of an </a:t>
-            </a:r>
-            <a:r>
-              <a:rPr lang="en-US" dirty="0" err="1"/>
-              <a:t>async</a:t>
-            </a:r>
-            <a:r>
-              <a:rPr lang="en-US" dirty="0"/>
-              <a:t> operation and code that performs an </a:t>
-            </a:r>
-            <a:r>
-              <a:rPr lang="en-US" dirty="0" err="1"/>
-              <a:t>async</a:t>
-            </a:r>
-            <a:r>
-              <a:rPr lang="en-US" dirty="0"/>
-              <a:t> operation</a:t>
-            </a:r>
-          </a:p>
-          <a:p>
-            <a:r>
-              <a:rPr lang="en-US" dirty="0"/>
-              <a:t>Has constructs and an API that simplifies synchronization of multiple </a:t>
-            </a:r>
-            <a:r>
-              <a:rPr lang="en-US" dirty="0" err="1"/>
-              <a:t>async</a:t>
-            </a:r>
-            <a:r>
-              <a:rPr lang="en-US" dirty="0"/>
-              <a:t> tasks</a:t>
-            </a:r>
-          </a:p>
-          <a:p>
-            <a:r>
-              <a:rPr lang="en-US" dirty="0"/>
-              <a:t>Flow of code is clearer</a:t>
-            </a:r>
-          </a:p>
-          <a:p>
-            <a:r>
-              <a:rPr lang="en-US" dirty="0"/>
-              <a:t>More secure than using callbacks as your code is not passed to a 3</a:t>
-            </a:r>
-            <a:r>
-              <a:rPr lang="en-US" baseline="30000" dirty="0"/>
-              <a:t>rd</a:t>
-            </a:r>
-            <a:r>
-              <a:rPr lang="en-US" dirty="0"/>
-              <a:t> party API</a:t>
-            </a:r>
-          </a:p>
-          <a:p>
-            <a:pPr lvl="1"/>
-            <a:r>
-              <a:rPr lang="en-US" i="0" dirty="0"/>
-              <a:t>Rather communication is via promises</a:t>
-            </a:r>
-          </a:p>
-          <a:p>
-            <a:endParaRPr lang="en-US" dirty="0"/>
+              <a:t>You ask me a question and I do not know the answer</a:t>
+            </a:r>
+          </a:p>
+          <a:p>
+            <a:r>
+              <a:rPr lang="en-US" dirty="0"/>
+              <a:t>I give you a </a:t>
+            </a:r>
+            <a:r>
+              <a:rPr lang="en-US" b="1" dirty="0"/>
+              <a:t>promise </a:t>
+            </a:r>
+            <a:r>
+              <a:rPr lang="en-US" dirty="0"/>
+              <a:t>to give an answer. The promise is </a:t>
+            </a:r>
+            <a:r>
+              <a:rPr lang="en-US" i="1" dirty="0"/>
+              <a:t>returned</a:t>
+            </a:r>
+            <a:r>
+              <a:rPr lang="en-US" dirty="0"/>
+              <a:t> </a:t>
+            </a:r>
+            <a:r>
+              <a:rPr lang="en-US" b="1" dirty="0"/>
+              <a:t>immediately</a:t>
+            </a:r>
+            <a:r>
+              <a:rPr lang="en-US" dirty="0"/>
+              <a:t>, the answer is not.</a:t>
+            </a:r>
+          </a:p>
+          <a:p>
+            <a:r>
+              <a:rPr lang="en-US" dirty="0"/>
+              <a:t>I </a:t>
+            </a:r>
+            <a:r>
+              <a:rPr lang="en-US" i="1" dirty="0"/>
+              <a:t>resolve</a:t>
+            </a:r>
+            <a:r>
+              <a:rPr lang="en-US" dirty="0"/>
+              <a:t> my promise at a later point in time with a </a:t>
+            </a:r>
+            <a:r>
+              <a:rPr lang="en-US" i="1" dirty="0"/>
+              <a:t>value </a:t>
+            </a:r>
+            <a:r>
+              <a:rPr lang="en-US" dirty="0"/>
+              <a:t>(the answer)</a:t>
+            </a:r>
+          </a:p>
+          <a:p>
+            <a:r>
+              <a:rPr lang="en-US" dirty="0"/>
+              <a:t>If I fail to find an answer I </a:t>
+            </a:r>
+            <a:r>
+              <a:rPr lang="en-US" i="1" dirty="0"/>
+              <a:t>reject</a:t>
+            </a:r>
+            <a:r>
+              <a:rPr lang="en-US" dirty="0"/>
+              <a:t> the promise with a </a:t>
+            </a:r>
+            <a:r>
+              <a:rPr lang="en-US" i="1" dirty="0"/>
+              <a:t>reason for failure</a:t>
+            </a:r>
           </a:p>
         </p:txBody>
       </p:sp>
     </p:spTree>
     <p:extLst>
       <p:ext uri="{BB962C8B-B14F-4D97-AF65-F5344CB8AC3E}">
-        <p14:creationId xmlns:p14="http://schemas.microsoft.com/office/powerpoint/2010/main" val="294193254"/>
+        <p14:creationId xmlns:p14="http://schemas.microsoft.com/office/powerpoint/2010/main" val="3429213811"/>
       </p:ext>
     </p:extLst>
   </p:cSld>
@@ -6082,7 +8107,7 @@
           <p:cNvPr id="2" name="Title 1">
             <a:extLst>
               <a:ext uri="{FF2B5EF4-FFF2-40B4-BE49-F238E27FC236}">
-                <a16:creationId xmlns:a16="http://schemas.microsoft.com/office/drawing/2014/main" id="{F9D6CFDD-7E37-D044-A877-D828E4A2DA28}"/>
+                <a16:creationId xmlns:a16="http://schemas.microsoft.com/office/drawing/2014/main" id="{FB60E579-FE3B-B048-B547-08F7D6852420}"/>
               </a:ext>
             </a:extLst>
           </p:cNvPr>
@@ -6100,7 +8125,7 @@
           <a:p>
             <a:r>
               <a:rPr lang="en-US" dirty="0"/>
-              <a:t>Promise – An analogy</a:t>
+              <a:t>In other words…</a:t>
             </a:r>
           </a:p>
         </p:txBody>
@@ -6110,7 +8135,7 @@
           <p:cNvPr id="3" name="Content Placeholder 2">
             <a:extLst>
               <a:ext uri="{FF2B5EF4-FFF2-40B4-BE49-F238E27FC236}">
-                <a16:creationId xmlns:a16="http://schemas.microsoft.com/office/drawing/2014/main" id="{1CBC7B9F-7BC3-D148-A363-306E6EB827E3}"/>
+                <a16:creationId xmlns:a16="http://schemas.microsoft.com/office/drawing/2014/main" id="{15BA05D4-D166-D54E-B7BE-67405419F6C3}"/>
               </a:ext>
             </a:extLst>
           </p:cNvPr>
@@ -6126,87 +8151,36 @@
           <a:bodyPr/>
           <a:lstStyle/>
           <a:p>
-            <a:r>
-              <a:rPr lang="en-US" dirty="0"/>
-              <a:t>You ask me a question and I do not know the answer</a:t>
-            </a:r>
-          </a:p>
-          <a:p>
-            <a:r>
-              <a:rPr lang="en-US" dirty="0"/>
-              <a:t>I give you a </a:t>
-            </a:r>
-            <a:r>
-              <a:rPr lang="en-US" b="1" dirty="0"/>
-              <a:t>promise </a:t>
-            </a:r>
-            <a:r>
-              <a:rPr lang="en-US" dirty="0"/>
-              <a:t>to give an answer. The promise is </a:t>
-            </a:r>
-            <a:r>
-              <a:rPr lang="en-US" i="1" dirty="0"/>
-              <a:t>returned</a:t>
-            </a:r>
-            <a:r>
-              <a:rPr lang="en-US" dirty="0"/>
-              <a:t> </a:t>
-            </a:r>
-            <a:r>
-              <a:rPr lang="en-US" b="1" dirty="0"/>
-              <a:t>immediately</a:t>
-            </a:r>
-            <a:r>
-              <a:rPr lang="en-US" dirty="0"/>
-              <a:t>, the answer is not.</a:t>
-            </a:r>
-          </a:p>
-          <a:p>
-            <a:r>
-              <a:rPr lang="en-US" dirty="0"/>
-              <a:t>I </a:t>
-            </a:r>
-            <a:r>
-              <a:rPr lang="en-US" i="1" dirty="0"/>
-              <a:t>resolve</a:t>
-            </a:r>
-            <a:r>
-              <a:rPr lang="en-US" dirty="0"/>
-              <a:t> my promise at a later point in time with a </a:t>
-            </a:r>
-            <a:r>
-              <a:rPr lang="en-US" i="1" dirty="0"/>
-              <a:t>value </a:t>
-            </a:r>
-            <a:r>
-              <a:rPr lang="en-US" dirty="0"/>
-              <a:t>(the answer)</a:t>
-            </a:r>
-          </a:p>
-          <a:p>
-            <a:r>
-              <a:rPr lang="en-US" dirty="0"/>
-              <a:t>If I fail to find an answer I </a:t>
-            </a:r>
-            <a:r>
-              <a:rPr lang="en-US" i="1" dirty="0"/>
-              <a:t>reject</a:t>
-            </a:r>
-            <a:r>
-              <a:rPr lang="en-US" dirty="0"/>
-              <a:t> the promise with a </a:t>
-            </a:r>
-            <a:r>
-              <a:rPr lang="en-US" i="1" dirty="0"/>
-              <a:t>reason for failure</a:t>
-            </a:r>
+            <a:pPr marL="0" indent="0" algn="ctr">
+              <a:buNone/>
+            </a:pPr>
+            <a:r>
+              <a:rPr lang="en-IN" sz="2800" dirty="0"/>
+              <a:t>A Promise object represents the future result of an asynchronous operation.</a:t>
+            </a:r>
+          </a:p>
+          <a:p>
+            <a:pPr marL="0" indent="0" algn="ctr">
+              <a:buNone/>
+            </a:pPr>
+            <a:endParaRPr lang="en-IN" sz="2800" dirty="0"/>
+          </a:p>
+          <a:p>
+            <a:pPr marL="0" indent="0" algn="ctr">
+              <a:buNone/>
+            </a:pPr>
+            <a:r>
+              <a:rPr lang="en-IN" sz="2800" dirty="0"/>
+              <a:t>A promise can be in one of three states - pending, resolved or rejected. A promise is settled if it is either resolved or rejected. </a:t>
+            </a:r>
+            <a:endParaRPr lang="en-US" dirty="0"/>
           </a:p>
         </p:txBody>
       </p:sp>
     </p:spTree>
     <p:extLst>
       <p:ext uri="{BB962C8B-B14F-4D97-AF65-F5344CB8AC3E}">
-        <p14:creationId xmlns:p14="http://schemas.microsoft.com/office/powerpoint/2010/main" val="3429213811"/>
+        <p14:creationId xmlns:p14="http://schemas.microsoft.com/office/powerpoint/2010/main" val="3952187464"/>
       </p:ext>
     </p:extLst>
   </p:cSld>
@@ -6238,7 +8212,7 @@
           <p:cNvPr id="2" name="Title 1">
             <a:extLst>
               <a:ext uri="{FF2B5EF4-FFF2-40B4-BE49-F238E27FC236}">
-                <a16:creationId xmlns:a16="http://schemas.microsoft.com/office/drawing/2014/main" id="{FB60E579-FE3B-B048-B547-08F7D6852420}"/>
+                <a16:creationId xmlns:a16="http://schemas.microsoft.com/office/drawing/2014/main" id="{AFF30662-C574-F440-8109-C0719743B79E}"/>
               </a:ext>
             </a:extLst>
           </p:cNvPr>
@@ -6256,7 +8230,7 @@
           <a:p>
             <a:r>
               <a:rPr lang="en-US" dirty="0"/>
-              <a:t>In other words…</a:t>
+              <a:t>Promisifying a function</a:t>
             </a:r>
           </a:p>
         </p:txBody>
@@ -6266,7 +8240,7 @@
           <p:cNvPr id="3" name="Content Placeholder 2">
             <a:extLst>
               <a:ext uri="{FF2B5EF4-FFF2-40B4-BE49-F238E27FC236}">
-                <a16:creationId xmlns:a16="http://schemas.microsoft.com/office/drawing/2014/main" id="{15BA05D4-D166-D54E-B7BE-67405419F6C3}"/>
+                <a16:creationId xmlns:a16="http://schemas.microsoft.com/office/drawing/2014/main" id="{8A615A18-32BD-9942-A43B-9AA5FC649843}"/>
               </a:ext>
             </a:extLst>
           </p:cNvPr>
@@ -6277,41 +8251,94 @@
             <p:ph idx="1"/>
           </p:nvPr>
         </p:nvSpPr>
-        <p:spPr/>
-        <p:txBody>
-          <a:bodyPr/>
+        <p:spPr>
+          <a:xfrm>
+            <a:off x="1371600" y="2286000"/>
+            <a:ext cx="9601200" cy="4232366"/>
+          </a:xfrm>
+        </p:spPr>
+        <p:txBody>
+          <a:bodyPr>
+            <a:normAutofit/>
+          </a:bodyPr>
           <a:lstStyle/>
           <a:p>
-            <a:pPr marL="0" indent="0" algn="ctr">
-              <a:buNone/>
-            </a:pPr>
-            <a:r>
-              <a:rPr lang="en-IN" sz="2800" dirty="0"/>
-              <a:t>A Promise object represents the future result of an asynchronous operation.</a:t>
-            </a:r>
-          </a:p>
-          <a:p>
-            <a:pPr marL="0" indent="0" algn="ctr">
-              <a:buNone/>
-            </a:pPr>
-            <a:endParaRPr lang="en-IN" sz="2800" dirty="0"/>
-          </a:p>
-          <a:p>
-            <a:pPr marL="0" indent="0" algn="ctr">
-              <a:buNone/>
-            </a:pPr>
-            <a:r>
-              <a:rPr lang="en-IN" sz="2800" dirty="0"/>
-              <a:t>A promise can be in one of three states - pending, resolved or rejected. A promise is settled if it is either resolved or rejected. </a:t>
-            </a:r>
-            <a:endParaRPr lang="en-US" dirty="0"/>
+            <a:r>
+              <a:rPr lang="en-IN" dirty="0"/>
+              <a:t>Steps to convert an async function that uses callbacks to one that uses promises</a:t>
+            </a:r>
+          </a:p>
+          <a:p>
+            <a:pPr lvl="1"/>
+            <a:r>
+              <a:rPr lang="en-IN" i="0" dirty="0"/>
+              <a:t>Remove the callback argument</a:t>
+            </a:r>
+          </a:p>
+          <a:p>
+            <a:pPr lvl="1"/>
+            <a:r>
+              <a:rPr lang="en-IN" i="0" dirty="0"/>
+              <a:t>Create and return a Promise object</a:t>
+            </a:r>
+          </a:p>
+          <a:p>
+            <a:pPr lvl="2"/>
+            <a:r>
+              <a:rPr lang="en-IN" dirty="0"/>
+              <a:t>Pass a function to the Promise constructor and do the async operation within</a:t>
+            </a:r>
+          </a:p>
+          <a:p>
+            <a:pPr lvl="2"/>
+            <a:r>
+              <a:rPr lang="en-IN" i="0" dirty="0"/>
+              <a:t>The function passed is invoked by the constructor</a:t>
+            </a:r>
+          </a:p>
+          <a:p>
+            <a:pPr lvl="2"/>
+            <a:r>
+              <a:rPr lang="en-IN" dirty="0"/>
+              <a:t>It is passed 2 functions as arguments – say, </a:t>
+            </a:r>
+            <a:r>
+              <a:rPr lang="en-IN" i="1" dirty="0"/>
+              <a:t>resolve </a:t>
+            </a:r>
+            <a:r>
+              <a:rPr lang="en-IN" dirty="0"/>
+              <a:t>and </a:t>
+            </a:r>
+            <a:r>
+              <a:rPr lang="en-IN" i="1" dirty="0"/>
+              <a:t>reject</a:t>
+            </a:r>
+          </a:p>
+          <a:p>
+            <a:pPr lvl="3"/>
+            <a:r>
+              <a:rPr lang="en-IN" i="0" dirty="0"/>
+              <a:t>Call resolve, passing result of async operation once the operation completes</a:t>
+            </a:r>
+          </a:p>
+          <a:p>
+            <a:pPr lvl="3"/>
+            <a:r>
+              <a:rPr lang="en-IN" i="0" dirty="0"/>
+              <a:t>Call reject, with reason for failure (an Error object), in case of failure</a:t>
+            </a:r>
+          </a:p>
+          <a:p>
+            <a:pPr lvl="1"/>
+            <a:endParaRPr lang="en-IN" b="1" i="0" dirty="0"/>
           </a:p>
         </p:txBody>
       </p:sp>
     </p:spTree>
     <p:extLst>
       <p:ext uri="{BB962C8B-B14F-4D97-AF65-F5344CB8AC3E}">
-        <p14:creationId xmlns:p14="http://schemas.microsoft.com/office/powerpoint/2010/main" val="3952187464"/>
+        <p14:creationId xmlns:p14="http://schemas.microsoft.com/office/powerpoint/2010/main" val="3942062219"/>
       </p:ext>
     </p:extLst>
   </p:cSld>
@@ -6343,7 +8370,7 @@
           <p:cNvPr id="2" name="Title 1">
             <a:extLst>
               <a:ext uri="{FF2B5EF4-FFF2-40B4-BE49-F238E27FC236}">
-                <a16:creationId xmlns:a16="http://schemas.microsoft.com/office/drawing/2014/main" id="{AFF30662-C574-F440-8109-C0719743B79E}"/>
+                <a16:creationId xmlns:a16="http://schemas.microsoft.com/office/drawing/2014/main" id="{EADF10F1-4AED-264A-8754-72370C88016B}"/>
               </a:ext>
             </a:extLst>
           </p:cNvPr>
@@ -6361,7 +8388,7 @@
           <a:p>
             <a:r>
               <a:rPr lang="en-US" dirty="0"/>
-              <a:t>Promisifying a function</a:t>
+              <a:t>Example</a:t>
             </a:r>
           </a:p>
         </p:txBody>
@@ -6371,7 +8398,7 @@
           <p:cNvPr id="3" name="Content Placeholder 2">
             <a:extLst>
               <a:ext uri="{FF2B5EF4-FFF2-40B4-BE49-F238E27FC236}">
-                <a16:creationId xmlns:a16="http://schemas.microsoft.com/office/drawing/2014/main" id="{8A615A18-32BD-9942-A43B-9AA5FC649843}"/>
+                <a16:creationId xmlns:a16="http://schemas.microsoft.com/office/drawing/2014/main" id="{289C2266-D02C-1647-BECD-EBA8AA6F97B6}"/>
               </a:ext>
             </a:extLst>
           </p:cNvPr>
@@ -6382,94 +8409,321 @@
             <p:ph idx="1"/>
           </p:nvPr>
         </p:nvSpPr>
-        <p:spPr>
-          <a:xfrm>
-            <a:off x="1371600" y="2286000"/>
-            <a:ext cx="9601200" cy="4232366"/>
-          </a:xfrm>
-        </p:spPr>
+        <p:spPr/>
         <p:txBody>
           <a:bodyPr>
             <a:normAutofit/>
           </a:bodyPr>
           <a:lstStyle/>
           <a:p>
-            <a:r>
-              <a:rPr lang="en-IN" dirty="0"/>
-              <a:t>Steps to convert an async function that uses callbacks to one that uses promises</a:t>
-            </a:r>
-          </a:p>
-          <a:p>
-            <a:pPr lvl="1"/>
-            <a:r>
-              <a:rPr lang="en-IN" i="0" dirty="0"/>
-              <a:t>Remove the callback argument</a:t>
-            </a:r>
-          </a:p>
-          <a:p>
-            <a:pPr lvl="1"/>
-            <a:r>
-              <a:rPr lang="en-IN" i="0" dirty="0"/>
-              <a:t>Create and return a Promise object</a:t>
-            </a:r>
-          </a:p>
-          <a:p>
-            <a:pPr lvl="2"/>
-            <a:r>
-              <a:rPr lang="en-IN" dirty="0"/>
-              <a:t>Pass a function to the Promise constructor and do the async operation within</a:t>
-            </a:r>
-          </a:p>
-          <a:p>
-            <a:pPr lvl="2"/>
-            <a:r>
-              <a:rPr lang="en-IN" i="0" dirty="0"/>
-              <a:t>The function passed is invoked by the constructor</a:t>
-            </a:r>
-          </a:p>
-          <a:p>
-            <a:pPr lvl="2"/>
-            <a:r>
-              <a:rPr lang="en-IN" dirty="0"/>
-              <a:t>It is passed 2 functions as arguments – say, </a:t>
-            </a:r>
-            <a:r>
-              <a:rPr lang="en-IN" i="1" dirty="0"/>
-              <a:t>resolve </a:t>
-            </a:r>
-            <a:r>
-              <a:rPr lang="en-IN" dirty="0"/>
-              <a:t>and </a:t>
-            </a:r>
-            <a:r>
-              <a:rPr lang="en-IN" i="1" dirty="0"/>
-              <a:t>reject</a:t>
-            </a:r>
-          </a:p>
-          <a:p>
-            <a:pPr lvl="3"/>
-            <a:r>
-              <a:rPr lang="en-IN" i="0" dirty="0"/>
-              <a:t>Call resolve, passing result of async operation once the operation completes</a:t>
-            </a:r>
-          </a:p>
-          <a:p>
-            <a:pPr lvl="3"/>
-            <a:r>
-              <a:rPr lang="en-IN" i="0" dirty="0"/>
-              <a:t>Call reject, with reason for failure (an Error object), in case of failure</a:t>
-            </a:r>
-          </a:p>
-          <a:p>
-            <a:pPr lvl="1"/>
-            <a:endParaRPr lang="en-IN" b="1" i="0" dirty="0"/>
+            <a:pPr marL="0" indent="0">
+              <a:buNone/>
+            </a:pPr>
+            <a:r>
+              <a:rPr lang="en-IN" sz="1600" dirty="0">
+                <a:solidFill>
+                  <a:srgbClr val="0000FF"/>
+                </a:solidFill>
+                <a:latin typeface="Menlo" panose="020B0609030804020204" pitchFamily="49" charset="0"/>
+              </a:rPr>
+              <a:t>function</a:t>
+            </a:r>
+            <a:r>
+              <a:rPr lang="en-IN" sz="1600" dirty="0">
+                <a:solidFill>
+                  <a:srgbClr val="000000"/>
+                </a:solidFill>
+                <a:latin typeface="Menlo" panose="020B0609030804020204" pitchFamily="49" charset="0"/>
+              </a:rPr>
+              <a:t> promisifiedAPI( a </a:t>
+            </a:r>
+            <a:r>
+              <a:rPr lang="en-IN" sz="1600" dirty="0">
+                <a:solidFill>
+                  <a:srgbClr val="008000"/>
+                </a:solidFill>
+                <a:latin typeface="Menlo" panose="020B0609030804020204" pitchFamily="49" charset="0"/>
+              </a:rPr>
+              <a:t>/*, b, ... */</a:t>
+            </a:r>
+            <a:r>
+              <a:rPr lang="en-IN" sz="1600" dirty="0">
+                <a:solidFill>
+                  <a:srgbClr val="000000"/>
+                </a:solidFill>
+                <a:latin typeface="Menlo" panose="020B0609030804020204" pitchFamily="49" charset="0"/>
+              </a:rPr>
+              <a:t> ) { </a:t>
+            </a:r>
+            <a:r>
+              <a:rPr lang="en-IN" sz="1600" dirty="0">
+                <a:solidFill>
+                  <a:srgbClr val="008000"/>
+                </a:solidFill>
+                <a:latin typeface="Menlo" panose="020B0609030804020204" pitchFamily="49" charset="0"/>
+              </a:rPr>
+              <a:t>// no callbacks in arguments</a:t>
+            </a:r>
+            <a:endParaRPr lang="en-IN" sz="1600" dirty="0">
+              <a:solidFill>
+                <a:srgbClr val="000000"/>
+              </a:solidFill>
+              <a:latin typeface="Menlo" panose="020B0609030804020204" pitchFamily="49" charset="0"/>
+            </a:endParaRPr>
+          </a:p>
+          <a:p>
+            <a:pPr marL="0" indent="0">
+              <a:buNone/>
+            </a:pPr>
+            <a:r>
+              <a:rPr lang="en-IN" sz="1600" dirty="0">
+                <a:solidFill>
+                  <a:srgbClr val="0000FF"/>
+                </a:solidFill>
+                <a:latin typeface="Menlo" panose="020B0609030804020204" pitchFamily="49" charset="0"/>
+              </a:rPr>
+              <a:t>	return</a:t>
+            </a:r>
+            <a:r>
+              <a:rPr lang="en-IN" sz="1600" dirty="0">
+                <a:solidFill>
+                  <a:srgbClr val="000000"/>
+                </a:solidFill>
+                <a:latin typeface="Menlo" panose="020B0609030804020204" pitchFamily="49" charset="0"/>
+              </a:rPr>
+              <a:t> </a:t>
+            </a:r>
+            <a:r>
+              <a:rPr lang="en-IN" sz="1600" dirty="0">
+                <a:solidFill>
+                  <a:srgbClr val="0000FF"/>
+                </a:solidFill>
+                <a:latin typeface="Menlo" panose="020B0609030804020204" pitchFamily="49" charset="0"/>
+              </a:rPr>
+              <a:t>new</a:t>
+            </a:r>
+            <a:r>
+              <a:rPr lang="en-IN" sz="1600" dirty="0">
+                <a:solidFill>
+                  <a:srgbClr val="000000"/>
+                </a:solidFill>
+                <a:latin typeface="Menlo" panose="020B0609030804020204" pitchFamily="49" charset="0"/>
+              </a:rPr>
+              <a:t> Promise(( resolve, reject ) </a:t>
+            </a:r>
+            <a:r>
+              <a:rPr lang="en-IN" sz="1600" dirty="0">
+                <a:solidFill>
+                  <a:srgbClr val="0000FF"/>
+                </a:solidFill>
+                <a:latin typeface="Menlo" panose="020B0609030804020204" pitchFamily="49" charset="0"/>
+              </a:rPr>
+              <a:t>=&gt;</a:t>
+            </a:r>
+            <a:r>
+              <a:rPr lang="en-IN" sz="1600" dirty="0">
+                <a:solidFill>
+                  <a:srgbClr val="000000"/>
+                </a:solidFill>
+                <a:latin typeface="Menlo" panose="020B0609030804020204" pitchFamily="49" charset="0"/>
+              </a:rPr>
+              <a:t> {</a:t>
+            </a:r>
+          </a:p>
+          <a:p>
+            <a:pPr marL="0" indent="0">
+              <a:buNone/>
+            </a:pPr>
+            <a:r>
+              <a:rPr lang="en-IN" sz="1600" dirty="0">
+                <a:solidFill>
+                  <a:srgbClr val="0000FF"/>
+                </a:solidFill>
+                <a:latin typeface="Menlo" panose="020B0609030804020204" pitchFamily="49" charset="0"/>
+              </a:rPr>
+              <a:t>		if</a:t>
+            </a:r>
+            <a:r>
+              <a:rPr lang="en-IN" sz="1600" dirty="0">
+                <a:solidFill>
+                  <a:srgbClr val="000000"/>
+                </a:solidFill>
+                <a:latin typeface="Menlo" panose="020B0609030804020204" pitchFamily="49" charset="0"/>
+              </a:rPr>
+              <a:t>( </a:t>
+            </a:r>
+            <a:r>
+              <a:rPr lang="en-IN" sz="1600" dirty="0">
+                <a:solidFill>
+                  <a:srgbClr val="008000"/>
+                </a:solidFill>
+                <a:latin typeface="Menlo" panose="020B0609030804020204" pitchFamily="49" charset="0"/>
+              </a:rPr>
+              <a:t>/* condition for errors */</a:t>
+            </a:r>
+            <a:r>
+              <a:rPr lang="en-IN" sz="1600" dirty="0">
+                <a:solidFill>
+                  <a:srgbClr val="000000"/>
+                </a:solidFill>
+                <a:latin typeface="Menlo" panose="020B0609030804020204" pitchFamily="49" charset="0"/>
+              </a:rPr>
+              <a:t> ) {</a:t>
+            </a:r>
+          </a:p>
+          <a:p>
+            <a:pPr marL="0" indent="0">
+              <a:buNone/>
+            </a:pPr>
+            <a:r>
+              <a:rPr lang="en-IN" sz="1600" dirty="0">
+                <a:solidFill>
+                  <a:srgbClr val="0000FF"/>
+                </a:solidFill>
+                <a:latin typeface="Menlo" panose="020B0609030804020204" pitchFamily="49" charset="0"/>
+              </a:rPr>
+              <a:t>			return</a:t>
+            </a:r>
+            <a:r>
+              <a:rPr lang="en-IN" sz="1600" dirty="0">
+                <a:solidFill>
+                  <a:srgbClr val="000000"/>
+                </a:solidFill>
+                <a:latin typeface="Menlo" panose="020B0609030804020204" pitchFamily="49" charset="0"/>
+              </a:rPr>
+              <a:t> reject( </a:t>
+            </a:r>
+            <a:r>
+              <a:rPr lang="en-IN" sz="1600" dirty="0">
+                <a:solidFill>
+                  <a:srgbClr val="0000FF"/>
+                </a:solidFill>
+                <a:latin typeface="Menlo" panose="020B0609030804020204" pitchFamily="49" charset="0"/>
+              </a:rPr>
+              <a:t>new</a:t>
+            </a:r>
+            <a:r>
+              <a:rPr lang="en-IN" sz="1600" dirty="0">
+                <a:solidFill>
+                  <a:srgbClr val="000000"/>
+                </a:solidFill>
+                <a:latin typeface="Menlo" panose="020B0609030804020204" pitchFamily="49" charset="0"/>
+              </a:rPr>
+              <a:t> Error( </a:t>
+            </a:r>
+            <a:r>
+              <a:rPr lang="en-IN" sz="1600" dirty="0">
+                <a:solidFill>
+                  <a:srgbClr val="A31515"/>
+                </a:solidFill>
+                <a:latin typeface="Menlo" panose="020B0609030804020204" pitchFamily="49" charset="0"/>
+              </a:rPr>
+              <a:t>'reason for error'</a:t>
+            </a:r>
+            <a:r>
+              <a:rPr lang="en-IN" sz="1600" dirty="0">
+                <a:solidFill>
+                  <a:srgbClr val="000000"/>
+                </a:solidFill>
+                <a:latin typeface="Menlo" panose="020B0609030804020204" pitchFamily="49" charset="0"/>
+              </a:rPr>
+              <a:t> ) );</a:t>
+            </a:r>
+          </a:p>
+          <a:p>
+            <a:pPr marL="0" indent="0">
+              <a:buNone/>
+            </a:pPr>
+            <a:r>
+              <a:rPr lang="en-IN" sz="1600" dirty="0">
+                <a:solidFill>
+                  <a:srgbClr val="000000"/>
+                </a:solidFill>
+                <a:latin typeface="Menlo" panose="020B0609030804020204" pitchFamily="49" charset="0"/>
+              </a:rPr>
+              <a:t>		}</a:t>
+            </a:r>
+          </a:p>
+          <a:p>
+            <a:pPr marL="0" indent="0">
+              <a:buNone/>
+            </a:pPr>
+            <a:br>
+              <a:rPr lang="en-IN" sz="1600" dirty="0">
+                <a:solidFill>
+                  <a:srgbClr val="000000"/>
+                </a:solidFill>
+                <a:latin typeface="Menlo" panose="020B0609030804020204" pitchFamily="49" charset="0"/>
+              </a:rPr>
+            </a:br>
+            <a:r>
+              <a:rPr lang="en-IN" sz="1600" dirty="0">
+                <a:solidFill>
+                  <a:srgbClr val="000000"/>
+                </a:solidFill>
+                <a:latin typeface="Menlo" panose="020B0609030804020204" pitchFamily="49" charset="0"/>
+              </a:rPr>
+              <a:t>		doSomethingAsync( result </a:t>
+            </a:r>
+            <a:r>
+              <a:rPr lang="en-IN" sz="1600" dirty="0">
+                <a:solidFill>
+                  <a:srgbClr val="0000FF"/>
+                </a:solidFill>
+                <a:latin typeface="Menlo" panose="020B0609030804020204" pitchFamily="49" charset="0"/>
+              </a:rPr>
+              <a:t>=&gt;</a:t>
+            </a:r>
+            <a:r>
+              <a:rPr lang="en-IN" sz="1600" dirty="0">
+                <a:solidFill>
+                  <a:srgbClr val="000000"/>
+                </a:solidFill>
+                <a:latin typeface="Menlo" panose="020B0609030804020204" pitchFamily="49" charset="0"/>
+              </a:rPr>
+              <a:t> resolve( result ) );</a:t>
+            </a:r>
+          </a:p>
+          <a:p>
+            <a:pPr marL="0" indent="0">
+              <a:buNone/>
+            </a:pPr>
+            <a:r>
+              <a:rPr lang="en-IN" sz="1600" dirty="0">
+                <a:solidFill>
+                  <a:srgbClr val="000000"/>
+                </a:solidFill>
+                <a:latin typeface="Menlo" panose="020B0609030804020204" pitchFamily="49" charset="0"/>
+              </a:rPr>
+              <a:t>	});</a:t>
+            </a:r>
+          </a:p>
+          <a:p>
+            <a:pPr marL="0" indent="0">
+              <a:buNone/>
+            </a:pPr>
+            <a:r>
+              <a:rPr lang="en-IN" sz="1600" dirty="0">
+                <a:solidFill>
+                  <a:srgbClr val="000000"/>
+                </a:solidFill>
+                <a:latin typeface="Menlo" panose="020B0609030804020204" pitchFamily="49" charset="0"/>
+              </a:rPr>
+              <a:t>}</a:t>
+            </a:r>
+          </a:p>
+          <a:p>
+            <a:pPr marL="0" indent="0">
+              <a:buNone/>
+            </a:pPr>
+            <a:endParaRPr lang="en-US" sz="1600" dirty="0"/>
           </a:p>
         </p:txBody>
       </p:sp>
     </p:spTree>
     <p:extLst>
       <p:ext uri="{BB962C8B-B14F-4D97-AF65-F5344CB8AC3E}">
-        <p14:creationId xmlns:p14="http://schemas.microsoft.com/office/powerpoint/2010/main" val="3942062219"/>
+        <p14:creationId xmlns:p14="http://schemas.microsoft.com/office/powerpoint/2010/main" val="4059848714"/>
       </p:ext>
     </p:extLst>
   </p:cSld>
